--- a/Big Mountain Problem Statement Worksheet.pptx
+++ b/Big Mountain Problem Statement Worksheet.pptx
@@ -34,7 +34,7 @@
       </p:grpSpPr>
       <p:sp>
         <p:nvSpPr>
-          <p:cNvPr id="38" name="PlaceHolder 1"/>
+          <p:cNvPr id="37" name="PlaceHolder 1"/>
           <p:cNvSpPr>
             <a:spLocks noGrp="1"/>
           </p:cNvSpPr>
@@ -56,27 +56,22 @@
             <a:noAutofit/>
           </a:bodyPr>
           <a:p>
-            <a:r>
-              <a:rPr b="0" lang="en-US" sz="1400" spc="-1" strike="noStrike">
-                <a:solidFill>
-                  <a:srgbClr val="000000"/>
-                </a:solidFill>
+            <a:pPr algn="ctr"/>
+            <a:r>
+              <a:rPr b="0" lang="en-US" sz="4400" spc="-1" strike="noStrike">
                 <a:latin typeface="Arial"/>
               </a:rPr>
               <a:t>Click to move the slide</a:t>
             </a:r>
-            <a:endParaRPr b="0" lang="en-US" sz="1400" spc="-1" strike="noStrike">
-              <a:solidFill>
-                <a:srgbClr val="000000"/>
-              </a:solidFill>
-              <a:latin typeface="Arial"/>
-            </a:endParaRPr>
-          </a:p>
-        </p:txBody>
-      </p:sp>
-      <p:sp>
-        <p:nvSpPr>
-          <p:cNvPr id="39" name="PlaceHolder 2"/>
+            <a:endParaRPr b="0" lang="en-US" sz="4400" spc="-1" strike="noStrike">
+              <a:latin typeface="Arial"/>
+            </a:endParaRPr>
+          </a:p>
+        </p:txBody>
+      </p:sp>
+      <p:sp>
+        <p:nvSpPr>
+          <p:cNvPr id="38" name="PlaceHolder 2"/>
           <p:cNvSpPr>
             <a:spLocks noGrp="1"/>
           </p:cNvSpPr>
@@ -112,7 +107,7 @@
       </p:sp>
       <p:sp>
         <p:nvSpPr>
-          <p:cNvPr id="40" name="PlaceHolder 3"/>
+          <p:cNvPr id="39" name="PlaceHolder 3"/>
           <p:cNvSpPr>
             <a:spLocks noGrp="1"/>
           </p:cNvSpPr>
@@ -148,7 +143,7 @@
       </p:sp>
       <p:sp>
         <p:nvSpPr>
-          <p:cNvPr id="41" name="PlaceHolder 4"/>
+          <p:cNvPr id="40" name="PlaceHolder 4"/>
           <p:cNvSpPr>
             <a:spLocks noGrp="1"/>
           </p:cNvSpPr>
@@ -185,7 +180,7 @@
       </p:sp>
       <p:sp>
         <p:nvSpPr>
-          <p:cNvPr id="42" name="PlaceHolder 5"/>
+          <p:cNvPr id="41" name="PlaceHolder 5"/>
           <p:cNvSpPr>
             <a:spLocks noGrp="1"/>
           </p:cNvSpPr>
@@ -221,7 +216,7 @@
       </p:sp>
       <p:sp>
         <p:nvSpPr>
-          <p:cNvPr id="43" name="PlaceHolder 6"/>
+          <p:cNvPr id="42" name="PlaceHolder 6"/>
           <p:cNvSpPr>
             <a:spLocks noGrp="1"/>
           </p:cNvSpPr>
@@ -244,7 +239,7 @@
           </a:bodyPr>
           <a:p>
             <a:pPr algn="r"/>
-            <a:fld id="{C3AA5DD8-3878-4074-8543-DD5551B242C0}" type="slidenum">
+            <a:fld id="{F852C561-03CA-425B-B34B-B5B259F6F73D}" type="slidenum">
               <a:rPr b="0" lang="en-US" sz="1400" spc="-1" strike="noStrike">
                 <a:latin typeface="Times New Roman"/>
               </a:rPr>
@@ -281,14 +276,14 @@
       </p:grpSpPr>
       <p:sp>
         <p:nvSpPr>
-          <p:cNvPr id="73" name="TextShape 1"/>
-          <p:cNvSpPr txBox="1"/>
+          <p:cNvPr id="72" name="CustomShape 1"/>
+          <p:cNvSpPr/>
           <p:nvPr/>
         </p:nvSpPr>
         <p:spPr>
           <a:xfrm>
             <a:off x="6042240" y="9493560"/>
-            <a:ext cx="169560" cy="184320"/>
+            <a:ext cx="169200" cy="183960"/>
           </a:xfrm>
           <a:prstGeom prst="rect">
             <a:avLst/>
@@ -298,8 +293,14 @@
             <a:noFill/>
           </a:ln>
         </p:spPr>
-        <p:txBody>
-          <a:bodyPr anchor="b">
+        <p:style>
+          <a:lnRef idx="0"/>
+          <a:fillRef idx="0"/>
+          <a:effectRef idx="0"/>
+          <a:fontRef idx="minor"/>
+        </p:style>
+        <p:txBody>
+          <a:bodyPr lIns="90000" rIns="90000" tIns="45000" bIns="45000" anchor="b">
             <a:noAutofit/>
           </a:bodyPr>
           <a:p>
@@ -311,7 +312,7 @@
                 <a:tab algn="l" pos="0"/>
               </a:tabLst>
             </a:pPr>
-            <a:fld id="{6D38CEE3-4386-4EDA-BE4A-9172D2CD228D}" type="slidenum">
+            <a:fld id="{035613A6-CF74-4ED7-BC7A-6DD678E02367}" type="slidenum">
               <a:rPr b="0" lang="en-AU" sz="1800" spc="-1" strike="noStrike">
                 <a:solidFill>
                   <a:srgbClr val="000000"/>
@@ -321,14 +322,14 @@
               <a:t>&lt;number&gt;</a:t>
             </a:fld>
             <a:endParaRPr b="0" lang="en-US" sz="1800" spc="-1" strike="noStrike">
-              <a:latin typeface="Times New Roman"/>
-            </a:endParaRPr>
-          </a:p>
-        </p:txBody>
-      </p:sp>
-      <p:sp>
-        <p:nvSpPr>
-          <p:cNvPr id="74" name="PlaceHolder 2"/>
+              <a:latin typeface="Arial"/>
+            </a:endParaRPr>
+          </a:p>
+        </p:txBody>
+      </p:sp>
+      <p:sp>
+        <p:nvSpPr>
+          <p:cNvPr id="73" name="PlaceHolder 2"/>
           <p:cNvSpPr>
             <a:spLocks noGrp="1"/>
           </p:cNvSpPr>
@@ -339,16 +340,16 @@
         <p:spPr>
           <a:xfrm>
             <a:off x="-2319480" y="1265400"/>
-            <a:ext cx="11201040" cy="8400600"/>
-          </a:xfrm>
-          <a:prstGeom prst="rect">
-            <a:avLst/>
-          </a:prstGeom>
-        </p:spPr>
-      </p:sp>
-      <p:sp>
-        <p:nvSpPr>
-          <p:cNvPr id="75" name="PlaceHolder 3"/>
+            <a:ext cx="11200680" cy="8400240"/>
+          </a:xfrm>
+          <a:prstGeom prst="rect">
+            <a:avLst/>
+          </a:prstGeom>
+        </p:spPr>
+      </p:sp>
+      <p:sp>
+        <p:nvSpPr>
+          <p:cNvPr id="74" name="PlaceHolder 3"/>
           <p:cNvSpPr>
             <a:spLocks noGrp="1"/>
           </p:cNvSpPr>
@@ -359,18 +360,18 @@
         <p:spPr>
           <a:xfrm>
             <a:off x="789480" y="605160"/>
-            <a:ext cx="5470560" cy="245880"/>
-          </a:xfrm>
-          <a:prstGeom prst="rect">
-            <a:avLst/>
-          </a:prstGeom>
-        </p:spPr>
-        <p:txBody>
-          <a:bodyPr>
-            <a:noAutofit/>
-          </a:bodyPr>
-          <a:p>
-            <a:pPr>
+            <a:ext cx="5470200" cy="245520"/>
+          </a:xfrm>
+          <a:prstGeom prst="rect">
+            <a:avLst/>
+          </a:prstGeom>
+        </p:spPr>
+        <p:txBody>
+          <a:bodyPr lIns="0" rIns="0" tIns="0" bIns="0">
+            <a:noAutofit/>
+          </a:bodyPr>
+          <a:p>
+            <a:pPr marL="216000" indent="-216000">
               <a:lnSpc>
                 <a:spcPct val="100000"/>
               </a:lnSpc>
@@ -453,7 +454,7 @@
             </a:endParaRPr>
           </a:p>
           <a:p>
-            <a:pPr>
+            <a:pPr marL="216000" indent="-216000">
               <a:lnSpc>
                 <a:spcPct val="100000"/>
               </a:lnSpc>
@@ -466,7 +467,7 @@
             </a:endParaRPr>
           </a:p>
           <a:p>
-            <a:pPr>
+            <a:pPr marL="216000" indent="-216000">
               <a:lnSpc>
                 <a:spcPct val="100000"/>
               </a:lnSpc>
@@ -520,7 +521,7 @@
             </a:endParaRPr>
           </a:p>
           <a:p>
-            <a:pPr>
+            <a:pPr marL="216000" indent="-216000">
               <a:lnSpc>
                 <a:spcPct val="100000"/>
               </a:lnSpc>
@@ -533,7 +534,7 @@
             </a:endParaRPr>
           </a:p>
           <a:p>
-            <a:pPr>
+            <a:pPr marL="216000" indent="-216000">
               <a:lnSpc>
                 <a:spcPct val="100000"/>
               </a:lnSpc>
@@ -566,7 +567,7 @@
             </a:endParaRPr>
           </a:p>
           <a:p>
-            <a:pPr>
+            <a:pPr marL="216000" indent="-216000">
               <a:lnSpc>
                 <a:spcPct val="100000"/>
               </a:lnSpc>
@@ -579,7 +580,7 @@
             </a:endParaRPr>
           </a:p>
           <a:p>
-            <a:pPr>
+            <a:pPr marL="216000" indent="-216000">
               <a:lnSpc>
                 <a:spcPct val="100000"/>
               </a:lnSpc>
@@ -612,7 +613,7 @@
             </a:endParaRPr>
           </a:p>
           <a:p>
-            <a:pPr>
+            <a:pPr marL="216000" indent="-216000">
               <a:lnSpc>
                 <a:spcPct val="100000"/>
               </a:lnSpc>
@@ -625,7 +626,7 @@
             </a:endParaRPr>
           </a:p>
           <a:p>
-            <a:pPr>
+            <a:pPr marL="216000" indent="-216000">
               <a:lnSpc>
                 <a:spcPct val="100000"/>
               </a:lnSpc>
@@ -658,7 +659,7 @@
             </a:endParaRPr>
           </a:p>
           <a:p>
-            <a:pPr>
+            <a:pPr marL="216000" indent="-216000">
               <a:lnSpc>
                 <a:spcPct val="100000"/>
               </a:lnSpc>
@@ -671,7 +672,7 @@
             </a:endParaRPr>
           </a:p>
           <a:p>
-            <a:pPr>
+            <a:pPr marL="216000" indent="-216000">
               <a:lnSpc>
                 <a:spcPct val="100000"/>
               </a:lnSpc>
@@ -704,7 +705,7 @@
             </a:endParaRPr>
           </a:p>
           <a:p>
-            <a:pPr>
+            <a:pPr marL="216000" indent="-216000">
               <a:lnSpc>
                 <a:spcPct val="100000"/>
               </a:lnSpc>
@@ -717,7 +718,7 @@
             </a:endParaRPr>
           </a:p>
           <a:p>
-            <a:pPr>
+            <a:pPr marL="216000" indent="-216000">
               <a:lnSpc>
                 <a:spcPct val="100000"/>
               </a:lnSpc>
@@ -750,7 +751,7 @@
             </a:endParaRPr>
           </a:p>
           <a:p>
-            <a:pPr>
+            <a:pPr marL="216000" indent="-216000">
               <a:lnSpc>
                 <a:spcPct val="100000"/>
               </a:lnSpc>
@@ -773,7 +774,7 @@
             </a:endParaRPr>
           </a:p>
           <a:p>
-            <a:pPr>
+            <a:pPr marL="216000" indent="-216000">
               <a:lnSpc>
                 <a:spcPct val="100000"/>
               </a:lnSpc>
@@ -786,7 +787,7 @@
             </a:endParaRPr>
           </a:p>
           <a:p>
-            <a:pPr>
+            <a:pPr marL="216000" indent="-216000">
               <a:lnSpc>
                 <a:spcPct val="100000"/>
               </a:lnSpc>
@@ -846,7 +847,7 @@
       </p:grpSpPr>
       <p:sp>
         <p:nvSpPr>
-          <p:cNvPr id="23" name="PlaceHolder 1"/>
+          <p:cNvPr id="22" name="PlaceHolder 1"/>
           <p:cNvSpPr>
             <a:spLocks noGrp="1"/>
           </p:cNvSpPr>
@@ -856,8 +857,8 @@
         </p:nvSpPr>
         <p:spPr>
           <a:xfrm>
-            <a:off x="174960" y="234720"/>
-            <a:ext cx="8793720" cy="298080"/>
+            <a:off x="457200" y="273600"/>
+            <a:ext cx="8229240" cy="1144800"/>
           </a:xfrm>
           <a:prstGeom prst="rect">
             <a:avLst/>
@@ -868,18 +869,16 @@
             <a:noAutofit/>
           </a:bodyPr>
           <a:p>
-            <a:endParaRPr b="0" lang="en-US" sz="1400" spc="-1" strike="noStrike">
-              <a:solidFill>
-                <a:srgbClr val="000000"/>
-              </a:solidFill>
-              <a:latin typeface="Arial"/>
-            </a:endParaRPr>
-          </a:p>
-        </p:txBody>
-      </p:sp>
-      <p:sp>
-        <p:nvSpPr>
-          <p:cNvPr id="24" name="PlaceHolder 2"/>
+            <a:pPr algn="ctr"/>
+            <a:endParaRPr b="0" lang="en-US" sz="4400" spc="-1" strike="noStrike">
+              <a:latin typeface="Arial"/>
+            </a:endParaRPr>
+          </a:p>
+        </p:txBody>
+      </p:sp>
+      <p:sp>
+        <p:nvSpPr>
+          <p:cNvPr id="23" name="PlaceHolder 2"/>
           <p:cNvSpPr>
             <a:spLocks noGrp="1"/>
           </p:cNvSpPr>
@@ -901,18 +900,15 @@
             <a:normAutofit/>
           </a:bodyPr>
           <a:p>
-            <a:endParaRPr b="0" lang="en-US" sz="1400" spc="-1" strike="noStrike">
-              <a:solidFill>
-                <a:srgbClr val="000000"/>
-              </a:solidFill>
-              <a:latin typeface="Arial"/>
-            </a:endParaRPr>
-          </a:p>
-        </p:txBody>
-      </p:sp>
-      <p:sp>
-        <p:nvSpPr>
-          <p:cNvPr id="25" name="PlaceHolder 3"/>
+            <a:endParaRPr b="0" lang="en-US" sz="3200" spc="-1" strike="noStrike">
+              <a:latin typeface="Arial"/>
+            </a:endParaRPr>
+          </a:p>
+        </p:txBody>
+      </p:sp>
+      <p:sp>
+        <p:nvSpPr>
+          <p:cNvPr id="24" name="PlaceHolder 3"/>
           <p:cNvSpPr>
             <a:spLocks noGrp="1"/>
           </p:cNvSpPr>
@@ -934,10 +930,7 @@
             <a:normAutofit/>
           </a:bodyPr>
           <a:p>
-            <a:endParaRPr b="0" lang="en-US" sz="1400" spc="-1" strike="noStrike">
-              <a:solidFill>
-                <a:srgbClr val="000000"/>
-              </a:solidFill>
+            <a:endParaRPr b="0" lang="en-US" sz="3200" spc="-1" strike="noStrike">
               <a:latin typeface="Arial"/>
             </a:endParaRPr>
           </a:p>
@@ -967,7 +960,7 @@
       </p:grpSpPr>
       <p:sp>
         <p:nvSpPr>
-          <p:cNvPr id="26" name="PlaceHolder 1"/>
+          <p:cNvPr id="25" name="PlaceHolder 1"/>
           <p:cNvSpPr>
             <a:spLocks noGrp="1"/>
           </p:cNvSpPr>
@@ -977,8 +970,8 @@
         </p:nvSpPr>
         <p:spPr>
           <a:xfrm>
-            <a:off x="174960" y="234720"/>
-            <a:ext cx="8793720" cy="298080"/>
+            <a:off x="457200" y="273600"/>
+            <a:ext cx="8229240" cy="1144800"/>
           </a:xfrm>
           <a:prstGeom prst="rect">
             <a:avLst/>
@@ -989,18 +982,16 @@
             <a:noAutofit/>
           </a:bodyPr>
           <a:p>
-            <a:endParaRPr b="0" lang="en-US" sz="1400" spc="-1" strike="noStrike">
-              <a:solidFill>
-                <a:srgbClr val="000000"/>
-              </a:solidFill>
-              <a:latin typeface="Arial"/>
-            </a:endParaRPr>
-          </a:p>
-        </p:txBody>
-      </p:sp>
-      <p:sp>
-        <p:nvSpPr>
-          <p:cNvPr id="27" name="PlaceHolder 2"/>
+            <a:pPr algn="ctr"/>
+            <a:endParaRPr b="0" lang="en-US" sz="4400" spc="-1" strike="noStrike">
+              <a:latin typeface="Arial"/>
+            </a:endParaRPr>
+          </a:p>
+        </p:txBody>
+      </p:sp>
+      <p:sp>
+        <p:nvSpPr>
+          <p:cNvPr id="26" name="PlaceHolder 2"/>
           <p:cNvSpPr>
             <a:spLocks noGrp="1"/>
           </p:cNvSpPr>
@@ -1022,18 +1013,15 @@
             <a:normAutofit/>
           </a:bodyPr>
           <a:p>
-            <a:endParaRPr b="0" lang="en-US" sz="1400" spc="-1" strike="noStrike">
-              <a:solidFill>
-                <a:srgbClr val="000000"/>
-              </a:solidFill>
-              <a:latin typeface="Arial"/>
-            </a:endParaRPr>
-          </a:p>
-        </p:txBody>
-      </p:sp>
-      <p:sp>
-        <p:nvSpPr>
-          <p:cNvPr id="28" name="PlaceHolder 3"/>
+            <a:endParaRPr b="0" lang="en-US" sz="3200" spc="-1" strike="noStrike">
+              <a:latin typeface="Arial"/>
+            </a:endParaRPr>
+          </a:p>
+        </p:txBody>
+      </p:sp>
+      <p:sp>
+        <p:nvSpPr>
+          <p:cNvPr id="27" name="PlaceHolder 3"/>
           <p:cNvSpPr>
             <a:spLocks noGrp="1"/>
           </p:cNvSpPr>
@@ -1055,18 +1043,15 @@
             <a:normAutofit/>
           </a:bodyPr>
           <a:p>
-            <a:endParaRPr b="0" lang="en-US" sz="1400" spc="-1" strike="noStrike">
-              <a:solidFill>
-                <a:srgbClr val="000000"/>
-              </a:solidFill>
-              <a:latin typeface="Arial"/>
-            </a:endParaRPr>
-          </a:p>
-        </p:txBody>
-      </p:sp>
-      <p:sp>
-        <p:nvSpPr>
-          <p:cNvPr id="29" name="PlaceHolder 4"/>
+            <a:endParaRPr b="0" lang="en-US" sz="3200" spc="-1" strike="noStrike">
+              <a:latin typeface="Arial"/>
+            </a:endParaRPr>
+          </a:p>
+        </p:txBody>
+      </p:sp>
+      <p:sp>
+        <p:nvSpPr>
+          <p:cNvPr id="28" name="PlaceHolder 4"/>
           <p:cNvSpPr>
             <a:spLocks noGrp="1"/>
           </p:cNvSpPr>
@@ -1088,18 +1073,15 @@
             <a:normAutofit/>
           </a:bodyPr>
           <a:p>
-            <a:endParaRPr b="0" lang="en-US" sz="1400" spc="-1" strike="noStrike">
-              <a:solidFill>
-                <a:srgbClr val="000000"/>
-              </a:solidFill>
-              <a:latin typeface="Arial"/>
-            </a:endParaRPr>
-          </a:p>
-        </p:txBody>
-      </p:sp>
-      <p:sp>
-        <p:nvSpPr>
-          <p:cNvPr id="30" name="PlaceHolder 5"/>
+            <a:endParaRPr b="0" lang="en-US" sz="3200" spc="-1" strike="noStrike">
+              <a:latin typeface="Arial"/>
+            </a:endParaRPr>
+          </a:p>
+        </p:txBody>
+      </p:sp>
+      <p:sp>
+        <p:nvSpPr>
+          <p:cNvPr id="29" name="PlaceHolder 5"/>
           <p:cNvSpPr>
             <a:spLocks noGrp="1"/>
           </p:cNvSpPr>
@@ -1121,10 +1103,7 @@
             <a:normAutofit/>
           </a:bodyPr>
           <a:p>
-            <a:endParaRPr b="0" lang="en-US" sz="1400" spc="-1" strike="noStrike">
-              <a:solidFill>
-                <a:srgbClr val="000000"/>
-              </a:solidFill>
+            <a:endParaRPr b="0" lang="en-US" sz="3200" spc="-1" strike="noStrike">
               <a:latin typeface="Arial"/>
             </a:endParaRPr>
           </a:p>
@@ -1154,7 +1133,7 @@
       </p:grpSpPr>
       <p:sp>
         <p:nvSpPr>
-          <p:cNvPr id="31" name="PlaceHolder 1"/>
+          <p:cNvPr id="30" name="PlaceHolder 1"/>
           <p:cNvSpPr>
             <a:spLocks noGrp="1"/>
           </p:cNvSpPr>
@@ -1164,8 +1143,8 @@
         </p:nvSpPr>
         <p:spPr>
           <a:xfrm>
-            <a:off x="174960" y="234720"/>
-            <a:ext cx="8793720" cy="298080"/>
+            <a:off x="457200" y="273600"/>
+            <a:ext cx="8229240" cy="1144800"/>
           </a:xfrm>
           <a:prstGeom prst="rect">
             <a:avLst/>
@@ -1176,18 +1155,16 @@
             <a:noAutofit/>
           </a:bodyPr>
           <a:p>
-            <a:endParaRPr b="0" lang="en-US" sz="1400" spc="-1" strike="noStrike">
-              <a:solidFill>
-                <a:srgbClr val="000000"/>
-              </a:solidFill>
-              <a:latin typeface="Arial"/>
-            </a:endParaRPr>
-          </a:p>
-        </p:txBody>
-      </p:sp>
-      <p:sp>
-        <p:nvSpPr>
-          <p:cNvPr id="32" name="PlaceHolder 2"/>
+            <a:pPr algn="ctr"/>
+            <a:endParaRPr b="0" lang="en-US" sz="4400" spc="-1" strike="noStrike">
+              <a:latin typeface="Arial"/>
+            </a:endParaRPr>
+          </a:p>
+        </p:txBody>
+      </p:sp>
+      <p:sp>
+        <p:nvSpPr>
+          <p:cNvPr id="31" name="PlaceHolder 2"/>
           <p:cNvSpPr>
             <a:spLocks noGrp="1"/>
           </p:cNvSpPr>
@@ -1209,18 +1186,15 @@
             <a:normAutofit/>
           </a:bodyPr>
           <a:p>
-            <a:endParaRPr b="0" lang="en-US" sz="1400" spc="-1" strike="noStrike">
-              <a:solidFill>
-                <a:srgbClr val="000000"/>
-              </a:solidFill>
-              <a:latin typeface="Arial"/>
-            </a:endParaRPr>
-          </a:p>
-        </p:txBody>
-      </p:sp>
-      <p:sp>
-        <p:nvSpPr>
-          <p:cNvPr id="33" name="PlaceHolder 3"/>
+            <a:endParaRPr b="0" lang="en-US" sz="3200" spc="-1" strike="noStrike">
+              <a:latin typeface="Arial"/>
+            </a:endParaRPr>
+          </a:p>
+        </p:txBody>
+      </p:sp>
+      <p:sp>
+        <p:nvSpPr>
+          <p:cNvPr id="32" name="PlaceHolder 3"/>
           <p:cNvSpPr>
             <a:spLocks noGrp="1"/>
           </p:cNvSpPr>
@@ -1242,18 +1216,15 @@
             <a:normAutofit/>
           </a:bodyPr>
           <a:p>
-            <a:endParaRPr b="0" lang="en-US" sz="1400" spc="-1" strike="noStrike">
-              <a:solidFill>
-                <a:srgbClr val="000000"/>
-              </a:solidFill>
-              <a:latin typeface="Arial"/>
-            </a:endParaRPr>
-          </a:p>
-        </p:txBody>
-      </p:sp>
-      <p:sp>
-        <p:nvSpPr>
-          <p:cNvPr id="34" name="PlaceHolder 4"/>
+            <a:endParaRPr b="0" lang="en-US" sz="3200" spc="-1" strike="noStrike">
+              <a:latin typeface="Arial"/>
+            </a:endParaRPr>
+          </a:p>
+        </p:txBody>
+      </p:sp>
+      <p:sp>
+        <p:nvSpPr>
+          <p:cNvPr id="33" name="PlaceHolder 4"/>
           <p:cNvSpPr>
             <a:spLocks noGrp="1"/>
           </p:cNvSpPr>
@@ -1275,18 +1246,15 @@
             <a:normAutofit/>
           </a:bodyPr>
           <a:p>
-            <a:endParaRPr b="0" lang="en-US" sz="1400" spc="-1" strike="noStrike">
-              <a:solidFill>
-                <a:srgbClr val="000000"/>
-              </a:solidFill>
-              <a:latin typeface="Arial"/>
-            </a:endParaRPr>
-          </a:p>
-        </p:txBody>
-      </p:sp>
-      <p:sp>
-        <p:nvSpPr>
-          <p:cNvPr id="35" name="PlaceHolder 5"/>
+            <a:endParaRPr b="0" lang="en-US" sz="3200" spc="-1" strike="noStrike">
+              <a:latin typeface="Arial"/>
+            </a:endParaRPr>
+          </a:p>
+        </p:txBody>
+      </p:sp>
+      <p:sp>
+        <p:nvSpPr>
+          <p:cNvPr id="34" name="PlaceHolder 5"/>
           <p:cNvSpPr>
             <a:spLocks noGrp="1"/>
           </p:cNvSpPr>
@@ -1308,18 +1276,15 @@
             <a:normAutofit/>
           </a:bodyPr>
           <a:p>
-            <a:endParaRPr b="0" lang="en-US" sz="1400" spc="-1" strike="noStrike">
-              <a:solidFill>
-                <a:srgbClr val="000000"/>
-              </a:solidFill>
-              <a:latin typeface="Arial"/>
-            </a:endParaRPr>
-          </a:p>
-        </p:txBody>
-      </p:sp>
-      <p:sp>
-        <p:nvSpPr>
-          <p:cNvPr id="36" name="PlaceHolder 6"/>
+            <a:endParaRPr b="0" lang="en-US" sz="3200" spc="-1" strike="noStrike">
+              <a:latin typeface="Arial"/>
+            </a:endParaRPr>
+          </a:p>
+        </p:txBody>
+      </p:sp>
+      <p:sp>
+        <p:nvSpPr>
+          <p:cNvPr id="35" name="PlaceHolder 6"/>
           <p:cNvSpPr>
             <a:spLocks noGrp="1"/>
           </p:cNvSpPr>
@@ -1341,18 +1306,15 @@
             <a:normAutofit/>
           </a:bodyPr>
           <a:p>
-            <a:endParaRPr b="0" lang="en-US" sz="1400" spc="-1" strike="noStrike">
-              <a:solidFill>
-                <a:srgbClr val="000000"/>
-              </a:solidFill>
-              <a:latin typeface="Arial"/>
-            </a:endParaRPr>
-          </a:p>
-        </p:txBody>
-      </p:sp>
-      <p:sp>
-        <p:nvSpPr>
-          <p:cNvPr id="37" name="PlaceHolder 7"/>
+            <a:endParaRPr b="0" lang="en-US" sz="3200" spc="-1" strike="noStrike">
+              <a:latin typeface="Arial"/>
+            </a:endParaRPr>
+          </a:p>
+        </p:txBody>
+      </p:sp>
+      <p:sp>
+        <p:nvSpPr>
+          <p:cNvPr id="36" name="PlaceHolder 7"/>
           <p:cNvSpPr>
             <a:spLocks noGrp="1"/>
           </p:cNvSpPr>
@@ -1374,10 +1336,7 @@
             <a:normAutofit/>
           </a:bodyPr>
           <a:p>
-            <a:endParaRPr b="0" lang="en-US" sz="1400" spc="-1" strike="noStrike">
-              <a:solidFill>
-                <a:srgbClr val="000000"/>
-              </a:solidFill>
+            <a:endParaRPr b="0" lang="en-US" sz="3200" spc="-1" strike="noStrike">
               <a:latin typeface="Arial"/>
             </a:endParaRPr>
           </a:p>
@@ -1407,7 +1366,7 @@
       </p:grpSpPr>
       <p:sp>
         <p:nvSpPr>
-          <p:cNvPr id="2" name="PlaceHolder 1"/>
+          <p:cNvPr id="1" name="PlaceHolder 1"/>
           <p:cNvSpPr>
             <a:spLocks noGrp="1"/>
           </p:cNvSpPr>
@@ -1417,8 +1376,8 @@
         </p:nvSpPr>
         <p:spPr>
           <a:xfrm>
-            <a:off x="174960" y="234720"/>
-            <a:ext cx="8793720" cy="298080"/>
+            <a:off x="457200" y="273600"/>
+            <a:ext cx="8229240" cy="1144800"/>
           </a:xfrm>
           <a:prstGeom prst="rect">
             <a:avLst/>
@@ -1429,18 +1388,16 @@
             <a:noAutofit/>
           </a:bodyPr>
           <a:p>
-            <a:endParaRPr b="0" lang="en-US" sz="1400" spc="-1" strike="noStrike">
-              <a:solidFill>
-                <a:srgbClr val="000000"/>
-              </a:solidFill>
-              <a:latin typeface="Arial"/>
-            </a:endParaRPr>
-          </a:p>
-        </p:txBody>
-      </p:sp>
-      <p:sp>
-        <p:nvSpPr>
-          <p:cNvPr id="3" name="PlaceHolder 2"/>
+            <a:pPr algn="ctr"/>
+            <a:endParaRPr b="0" lang="en-US" sz="4400" spc="-1" strike="noStrike">
+              <a:latin typeface="Arial"/>
+            </a:endParaRPr>
+          </a:p>
+        </p:txBody>
+      </p:sp>
+      <p:sp>
+        <p:nvSpPr>
+          <p:cNvPr id="2" name="PlaceHolder 2"/>
           <p:cNvSpPr>
             <a:spLocks noGrp="1"/>
           </p:cNvSpPr>
@@ -1493,7 +1450,7 @@
       </p:grpSpPr>
       <p:sp>
         <p:nvSpPr>
-          <p:cNvPr id="4" name="PlaceHolder 1"/>
+          <p:cNvPr id="3" name="PlaceHolder 1"/>
           <p:cNvSpPr>
             <a:spLocks noGrp="1"/>
           </p:cNvSpPr>
@@ -1503,8 +1460,8 @@
         </p:nvSpPr>
         <p:spPr>
           <a:xfrm>
-            <a:off x="174960" y="234720"/>
-            <a:ext cx="8793720" cy="298080"/>
+            <a:off x="457200" y="273600"/>
+            <a:ext cx="8229240" cy="1144800"/>
           </a:xfrm>
           <a:prstGeom prst="rect">
             <a:avLst/>
@@ -1515,18 +1472,16 @@
             <a:noAutofit/>
           </a:bodyPr>
           <a:p>
-            <a:endParaRPr b="0" lang="en-US" sz="1400" spc="-1" strike="noStrike">
-              <a:solidFill>
-                <a:srgbClr val="000000"/>
-              </a:solidFill>
-              <a:latin typeface="Arial"/>
-            </a:endParaRPr>
-          </a:p>
-        </p:txBody>
-      </p:sp>
-      <p:sp>
-        <p:nvSpPr>
-          <p:cNvPr id="5" name="PlaceHolder 2"/>
+            <a:pPr algn="ctr"/>
+            <a:endParaRPr b="0" lang="en-US" sz="4400" spc="-1" strike="noStrike">
+              <a:latin typeface="Arial"/>
+            </a:endParaRPr>
+          </a:p>
+        </p:txBody>
+      </p:sp>
+      <p:sp>
+        <p:nvSpPr>
+          <p:cNvPr id="4" name="PlaceHolder 2"/>
           <p:cNvSpPr>
             <a:spLocks noGrp="1"/>
           </p:cNvSpPr>
@@ -1548,10 +1503,7 @@
             <a:normAutofit/>
           </a:bodyPr>
           <a:p>
-            <a:endParaRPr b="0" lang="en-US" sz="1400" spc="-1" strike="noStrike">
-              <a:solidFill>
-                <a:srgbClr val="000000"/>
-              </a:solidFill>
+            <a:endParaRPr b="0" lang="en-US" sz="3200" spc="-1" strike="noStrike">
               <a:latin typeface="Arial"/>
             </a:endParaRPr>
           </a:p>
@@ -1581,7 +1533,7 @@
       </p:grpSpPr>
       <p:sp>
         <p:nvSpPr>
-          <p:cNvPr id="6" name="PlaceHolder 1"/>
+          <p:cNvPr id="5" name="PlaceHolder 1"/>
           <p:cNvSpPr>
             <a:spLocks noGrp="1"/>
           </p:cNvSpPr>
@@ -1591,8 +1543,8 @@
         </p:nvSpPr>
         <p:spPr>
           <a:xfrm>
-            <a:off x="174960" y="234720"/>
-            <a:ext cx="8793720" cy="298080"/>
+            <a:off x="457200" y="273600"/>
+            <a:ext cx="8229240" cy="1144800"/>
           </a:xfrm>
           <a:prstGeom prst="rect">
             <a:avLst/>
@@ -1603,18 +1555,16 @@
             <a:noAutofit/>
           </a:bodyPr>
           <a:p>
-            <a:endParaRPr b="0" lang="en-US" sz="1400" spc="-1" strike="noStrike">
-              <a:solidFill>
-                <a:srgbClr val="000000"/>
-              </a:solidFill>
-              <a:latin typeface="Arial"/>
-            </a:endParaRPr>
-          </a:p>
-        </p:txBody>
-      </p:sp>
-      <p:sp>
-        <p:nvSpPr>
-          <p:cNvPr id="7" name="PlaceHolder 2"/>
+            <a:pPr algn="ctr"/>
+            <a:endParaRPr b="0" lang="en-US" sz="4400" spc="-1" strike="noStrike">
+              <a:latin typeface="Arial"/>
+            </a:endParaRPr>
+          </a:p>
+        </p:txBody>
+      </p:sp>
+      <p:sp>
+        <p:nvSpPr>
+          <p:cNvPr id="6" name="PlaceHolder 2"/>
           <p:cNvSpPr>
             <a:spLocks noGrp="1"/>
           </p:cNvSpPr>
@@ -1636,18 +1586,15 @@
             <a:normAutofit/>
           </a:bodyPr>
           <a:p>
-            <a:endParaRPr b="0" lang="en-US" sz="1400" spc="-1" strike="noStrike">
-              <a:solidFill>
-                <a:srgbClr val="000000"/>
-              </a:solidFill>
-              <a:latin typeface="Arial"/>
-            </a:endParaRPr>
-          </a:p>
-        </p:txBody>
-      </p:sp>
-      <p:sp>
-        <p:nvSpPr>
-          <p:cNvPr id="8" name="PlaceHolder 3"/>
+            <a:endParaRPr b="0" lang="en-US" sz="3200" spc="-1" strike="noStrike">
+              <a:latin typeface="Arial"/>
+            </a:endParaRPr>
+          </a:p>
+        </p:txBody>
+      </p:sp>
+      <p:sp>
+        <p:nvSpPr>
+          <p:cNvPr id="7" name="PlaceHolder 3"/>
           <p:cNvSpPr>
             <a:spLocks noGrp="1"/>
           </p:cNvSpPr>
@@ -1669,10 +1616,7 @@
             <a:normAutofit/>
           </a:bodyPr>
           <a:p>
-            <a:endParaRPr b="0" lang="en-US" sz="1400" spc="-1" strike="noStrike">
-              <a:solidFill>
-                <a:srgbClr val="000000"/>
-              </a:solidFill>
+            <a:endParaRPr b="0" lang="en-US" sz="3200" spc="-1" strike="noStrike">
               <a:latin typeface="Arial"/>
             </a:endParaRPr>
           </a:p>
@@ -1702,7 +1646,7 @@
       </p:grpSpPr>
       <p:sp>
         <p:nvSpPr>
-          <p:cNvPr id="9" name="PlaceHolder 1"/>
+          <p:cNvPr id="8" name="PlaceHolder 1"/>
           <p:cNvSpPr>
             <a:spLocks noGrp="1"/>
           </p:cNvSpPr>
@@ -1712,8 +1656,8 @@
         </p:nvSpPr>
         <p:spPr>
           <a:xfrm>
-            <a:off x="174960" y="234720"/>
-            <a:ext cx="8793720" cy="298080"/>
+            <a:off x="457200" y="273600"/>
+            <a:ext cx="8229240" cy="1144800"/>
           </a:xfrm>
           <a:prstGeom prst="rect">
             <a:avLst/>
@@ -1724,10 +1668,8 @@
             <a:noAutofit/>
           </a:bodyPr>
           <a:p>
-            <a:endParaRPr b="0" lang="en-US" sz="1400" spc="-1" strike="noStrike">
-              <a:solidFill>
-                <a:srgbClr val="000000"/>
-              </a:solidFill>
+            <a:pPr algn="ctr"/>
+            <a:endParaRPr b="0" lang="en-US" sz="4400" spc="-1" strike="noStrike">
               <a:latin typeface="Arial"/>
             </a:endParaRPr>
           </a:p>
@@ -1757,7 +1699,7 @@
       </p:grpSpPr>
       <p:sp>
         <p:nvSpPr>
-          <p:cNvPr id="10" name="PlaceHolder 1"/>
+          <p:cNvPr id="9" name="PlaceHolder 1"/>
           <p:cNvSpPr>
             <a:spLocks noGrp="1"/>
           </p:cNvSpPr>
@@ -1767,8 +1709,8 @@
         </p:nvSpPr>
         <p:spPr>
           <a:xfrm>
-            <a:off x="174960" y="234720"/>
-            <a:ext cx="8793720" cy="1383120"/>
+            <a:off x="457200" y="273600"/>
+            <a:ext cx="8229240" cy="5307840"/>
           </a:xfrm>
           <a:prstGeom prst="rect">
             <a:avLst/>
@@ -1810,7 +1752,7 @@
       </p:grpSpPr>
       <p:sp>
         <p:nvSpPr>
-          <p:cNvPr id="11" name="PlaceHolder 1"/>
+          <p:cNvPr id="10" name="PlaceHolder 1"/>
           <p:cNvSpPr>
             <a:spLocks noGrp="1"/>
           </p:cNvSpPr>
@@ -1820,8 +1762,8 @@
         </p:nvSpPr>
         <p:spPr>
           <a:xfrm>
-            <a:off x="174960" y="234720"/>
-            <a:ext cx="8793720" cy="298080"/>
+            <a:off x="457200" y="273600"/>
+            <a:ext cx="8229240" cy="1144800"/>
           </a:xfrm>
           <a:prstGeom prst="rect">
             <a:avLst/>
@@ -1832,18 +1774,16 @@
             <a:noAutofit/>
           </a:bodyPr>
           <a:p>
-            <a:endParaRPr b="0" lang="en-US" sz="1400" spc="-1" strike="noStrike">
-              <a:solidFill>
-                <a:srgbClr val="000000"/>
-              </a:solidFill>
-              <a:latin typeface="Arial"/>
-            </a:endParaRPr>
-          </a:p>
-        </p:txBody>
-      </p:sp>
-      <p:sp>
-        <p:nvSpPr>
-          <p:cNvPr id="12" name="PlaceHolder 2"/>
+            <a:pPr algn="ctr"/>
+            <a:endParaRPr b="0" lang="en-US" sz="4400" spc="-1" strike="noStrike">
+              <a:latin typeface="Arial"/>
+            </a:endParaRPr>
+          </a:p>
+        </p:txBody>
+      </p:sp>
+      <p:sp>
+        <p:nvSpPr>
+          <p:cNvPr id="11" name="PlaceHolder 2"/>
           <p:cNvSpPr>
             <a:spLocks noGrp="1"/>
           </p:cNvSpPr>
@@ -1865,18 +1805,15 @@
             <a:normAutofit/>
           </a:bodyPr>
           <a:p>
-            <a:endParaRPr b="0" lang="en-US" sz="1400" spc="-1" strike="noStrike">
-              <a:solidFill>
-                <a:srgbClr val="000000"/>
-              </a:solidFill>
-              <a:latin typeface="Arial"/>
-            </a:endParaRPr>
-          </a:p>
-        </p:txBody>
-      </p:sp>
-      <p:sp>
-        <p:nvSpPr>
-          <p:cNvPr id="13" name="PlaceHolder 3"/>
+            <a:endParaRPr b="0" lang="en-US" sz="3200" spc="-1" strike="noStrike">
+              <a:latin typeface="Arial"/>
+            </a:endParaRPr>
+          </a:p>
+        </p:txBody>
+      </p:sp>
+      <p:sp>
+        <p:nvSpPr>
+          <p:cNvPr id="12" name="PlaceHolder 3"/>
           <p:cNvSpPr>
             <a:spLocks noGrp="1"/>
           </p:cNvSpPr>
@@ -1898,18 +1835,15 @@
             <a:normAutofit/>
           </a:bodyPr>
           <a:p>
-            <a:endParaRPr b="0" lang="en-US" sz="1400" spc="-1" strike="noStrike">
-              <a:solidFill>
-                <a:srgbClr val="000000"/>
-              </a:solidFill>
-              <a:latin typeface="Arial"/>
-            </a:endParaRPr>
-          </a:p>
-        </p:txBody>
-      </p:sp>
-      <p:sp>
-        <p:nvSpPr>
-          <p:cNvPr id="14" name="PlaceHolder 4"/>
+            <a:endParaRPr b="0" lang="en-US" sz="3200" spc="-1" strike="noStrike">
+              <a:latin typeface="Arial"/>
+            </a:endParaRPr>
+          </a:p>
+        </p:txBody>
+      </p:sp>
+      <p:sp>
+        <p:nvSpPr>
+          <p:cNvPr id="13" name="PlaceHolder 4"/>
           <p:cNvSpPr>
             <a:spLocks noGrp="1"/>
           </p:cNvSpPr>
@@ -1931,10 +1865,7 @@
             <a:normAutofit/>
           </a:bodyPr>
           <a:p>
-            <a:endParaRPr b="0" lang="en-US" sz="1400" spc="-1" strike="noStrike">
-              <a:solidFill>
-                <a:srgbClr val="000000"/>
-              </a:solidFill>
+            <a:endParaRPr b="0" lang="en-US" sz="3200" spc="-1" strike="noStrike">
               <a:latin typeface="Arial"/>
             </a:endParaRPr>
           </a:p>
@@ -1964,7 +1895,7 @@
       </p:grpSpPr>
       <p:sp>
         <p:nvSpPr>
-          <p:cNvPr id="15" name="PlaceHolder 1"/>
+          <p:cNvPr id="14" name="PlaceHolder 1"/>
           <p:cNvSpPr>
             <a:spLocks noGrp="1"/>
           </p:cNvSpPr>
@@ -1974,8 +1905,8 @@
         </p:nvSpPr>
         <p:spPr>
           <a:xfrm>
-            <a:off x="174960" y="234720"/>
-            <a:ext cx="8793720" cy="298080"/>
+            <a:off x="457200" y="273600"/>
+            <a:ext cx="8229240" cy="1144800"/>
           </a:xfrm>
           <a:prstGeom prst="rect">
             <a:avLst/>
@@ -1986,18 +1917,16 @@
             <a:noAutofit/>
           </a:bodyPr>
           <a:p>
-            <a:endParaRPr b="0" lang="en-US" sz="1400" spc="-1" strike="noStrike">
-              <a:solidFill>
-                <a:srgbClr val="000000"/>
-              </a:solidFill>
-              <a:latin typeface="Arial"/>
-            </a:endParaRPr>
-          </a:p>
-        </p:txBody>
-      </p:sp>
-      <p:sp>
-        <p:nvSpPr>
-          <p:cNvPr id="16" name="PlaceHolder 2"/>
+            <a:pPr algn="ctr"/>
+            <a:endParaRPr b="0" lang="en-US" sz="4400" spc="-1" strike="noStrike">
+              <a:latin typeface="Arial"/>
+            </a:endParaRPr>
+          </a:p>
+        </p:txBody>
+      </p:sp>
+      <p:sp>
+        <p:nvSpPr>
+          <p:cNvPr id="15" name="PlaceHolder 2"/>
           <p:cNvSpPr>
             <a:spLocks noGrp="1"/>
           </p:cNvSpPr>
@@ -2019,18 +1948,15 @@
             <a:normAutofit/>
           </a:bodyPr>
           <a:p>
-            <a:endParaRPr b="0" lang="en-US" sz="1400" spc="-1" strike="noStrike">
-              <a:solidFill>
-                <a:srgbClr val="000000"/>
-              </a:solidFill>
-              <a:latin typeface="Arial"/>
-            </a:endParaRPr>
-          </a:p>
-        </p:txBody>
-      </p:sp>
-      <p:sp>
-        <p:nvSpPr>
-          <p:cNvPr id="17" name="PlaceHolder 3"/>
+            <a:endParaRPr b="0" lang="en-US" sz="3200" spc="-1" strike="noStrike">
+              <a:latin typeface="Arial"/>
+            </a:endParaRPr>
+          </a:p>
+        </p:txBody>
+      </p:sp>
+      <p:sp>
+        <p:nvSpPr>
+          <p:cNvPr id="16" name="PlaceHolder 3"/>
           <p:cNvSpPr>
             <a:spLocks noGrp="1"/>
           </p:cNvSpPr>
@@ -2052,18 +1978,15 @@
             <a:normAutofit/>
           </a:bodyPr>
           <a:p>
-            <a:endParaRPr b="0" lang="en-US" sz="1400" spc="-1" strike="noStrike">
-              <a:solidFill>
-                <a:srgbClr val="000000"/>
-              </a:solidFill>
-              <a:latin typeface="Arial"/>
-            </a:endParaRPr>
-          </a:p>
-        </p:txBody>
-      </p:sp>
-      <p:sp>
-        <p:nvSpPr>
-          <p:cNvPr id="18" name="PlaceHolder 4"/>
+            <a:endParaRPr b="0" lang="en-US" sz="3200" spc="-1" strike="noStrike">
+              <a:latin typeface="Arial"/>
+            </a:endParaRPr>
+          </a:p>
+        </p:txBody>
+      </p:sp>
+      <p:sp>
+        <p:nvSpPr>
+          <p:cNvPr id="17" name="PlaceHolder 4"/>
           <p:cNvSpPr>
             <a:spLocks noGrp="1"/>
           </p:cNvSpPr>
@@ -2085,10 +2008,7 @@
             <a:normAutofit/>
           </a:bodyPr>
           <a:p>
-            <a:endParaRPr b="0" lang="en-US" sz="1400" spc="-1" strike="noStrike">
-              <a:solidFill>
-                <a:srgbClr val="000000"/>
-              </a:solidFill>
+            <a:endParaRPr b="0" lang="en-US" sz="3200" spc="-1" strike="noStrike">
               <a:latin typeface="Arial"/>
             </a:endParaRPr>
           </a:p>
@@ -2118,7 +2038,7 @@
       </p:grpSpPr>
       <p:sp>
         <p:nvSpPr>
-          <p:cNvPr id="19" name="PlaceHolder 1"/>
+          <p:cNvPr id="18" name="PlaceHolder 1"/>
           <p:cNvSpPr>
             <a:spLocks noGrp="1"/>
           </p:cNvSpPr>
@@ -2128,8 +2048,8 @@
         </p:nvSpPr>
         <p:spPr>
           <a:xfrm>
-            <a:off x="174960" y="234720"/>
-            <a:ext cx="8793720" cy="298080"/>
+            <a:off x="457200" y="273600"/>
+            <a:ext cx="8229240" cy="1144800"/>
           </a:xfrm>
           <a:prstGeom prst="rect">
             <a:avLst/>
@@ -2140,18 +2060,16 @@
             <a:noAutofit/>
           </a:bodyPr>
           <a:p>
-            <a:endParaRPr b="0" lang="en-US" sz="1400" spc="-1" strike="noStrike">
-              <a:solidFill>
-                <a:srgbClr val="000000"/>
-              </a:solidFill>
-              <a:latin typeface="Arial"/>
-            </a:endParaRPr>
-          </a:p>
-        </p:txBody>
-      </p:sp>
-      <p:sp>
-        <p:nvSpPr>
-          <p:cNvPr id="20" name="PlaceHolder 2"/>
+            <a:pPr algn="ctr"/>
+            <a:endParaRPr b="0" lang="en-US" sz="4400" spc="-1" strike="noStrike">
+              <a:latin typeface="Arial"/>
+            </a:endParaRPr>
+          </a:p>
+        </p:txBody>
+      </p:sp>
+      <p:sp>
+        <p:nvSpPr>
+          <p:cNvPr id="19" name="PlaceHolder 2"/>
           <p:cNvSpPr>
             <a:spLocks noGrp="1"/>
           </p:cNvSpPr>
@@ -2173,18 +2091,15 @@
             <a:normAutofit/>
           </a:bodyPr>
           <a:p>
-            <a:endParaRPr b="0" lang="en-US" sz="1400" spc="-1" strike="noStrike">
-              <a:solidFill>
-                <a:srgbClr val="000000"/>
-              </a:solidFill>
-              <a:latin typeface="Arial"/>
-            </a:endParaRPr>
-          </a:p>
-        </p:txBody>
-      </p:sp>
-      <p:sp>
-        <p:nvSpPr>
-          <p:cNvPr id="21" name="PlaceHolder 3"/>
+            <a:endParaRPr b="0" lang="en-US" sz="3200" spc="-1" strike="noStrike">
+              <a:latin typeface="Arial"/>
+            </a:endParaRPr>
+          </a:p>
+        </p:txBody>
+      </p:sp>
+      <p:sp>
+        <p:nvSpPr>
+          <p:cNvPr id="20" name="PlaceHolder 3"/>
           <p:cNvSpPr>
             <a:spLocks noGrp="1"/>
           </p:cNvSpPr>
@@ -2206,18 +2121,15 @@
             <a:normAutofit/>
           </a:bodyPr>
           <a:p>
-            <a:endParaRPr b="0" lang="en-US" sz="1400" spc="-1" strike="noStrike">
-              <a:solidFill>
-                <a:srgbClr val="000000"/>
-              </a:solidFill>
-              <a:latin typeface="Arial"/>
-            </a:endParaRPr>
-          </a:p>
-        </p:txBody>
-      </p:sp>
-      <p:sp>
-        <p:nvSpPr>
-          <p:cNvPr id="22" name="PlaceHolder 4"/>
+            <a:endParaRPr b="0" lang="en-US" sz="3200" spc="-1" strike="noStrike">
+              <a:latin typeface="Arial"/>
+            </a:endParaRPr>
+          </a:p>
+        </p:txBody>
+      </p:sp>
+      <p:sp>
+        <p:nvSpPr>
+          <p:cNvPr id="21" name="PlaceHolder 4"/>
           <p:cNvSpPr>
             <a:spLocks noGrp="1"/>
           </p:cNvSpPr>
@@ -2239,10 +2151,7 @@
             <a:normAutofit/>
           </a:bodyPr>
           <a:p>
-            <a:endParaRPr b="0" lang="en-US" sz="1400" spc="-1" strike="noStrike">
-              <a:solidFill>
-                <a:srgbClr val="000000"/>
-              </a:solidFill>
+            <a:endParaRPr b="0" lang="en-US" sz="3200" spc="-1" strike="noStrike">
               <a:latin typeface="Arial"/>
             </a:endParaRPr>
           </a:p>
@@ -2286,7 +2195,7 @@
         <p:spPr>
           <a:xfrm>
             <a:off x="8298360" y="37080"/>
-            <a:ext cx="670320" cy="124200"/>
+            <a:ext cx="669960" cy="123840"/>
           </a:xfrm>
           <a:prstGeom prst="rect">
             <a:avLst/>
@@ -2302,48 +2211,6 @@
           <a:effectRef idx="0"/>
           <a:fontRef idx="minor"/>
         </p:style>
-      </p:sp>
-      <p:sp>
-        <p:nvSpPr>
-          <p:cNvPr id="1" name="PlaceHolder 2"/>
-          <p:cNvSpPr>
-            <a:spLocks noGrp="1"/>
-          </p:cNvSpPr>
-          <p:nvPr>
-            <p:ph type="title"/>
-          </p:nvPr>
-        </p:nvSpPr>
-        <p:spPr>
-          <a:xfrm>
-            <a:off x="174960" y="234720"/>
-            <a:ext cx="8793720" cy="298080"/>
-          </a:xfrm>
-          <a:prstGeom prst="rect">
-            <a:avLst/>
-          </a:prstGeom>
-        </p:spPr>
-        <p:txBody>
-          <a:bodyPr lIns="0" rIns="0" tIns="0" bIns="0">
-            <a:noAutofit/>
-          </a:bodyPr>
-          <a:p>
-            <a:r>
-              <a:rPr b="0" lang="en-US" sz="1940" spc="-1" strike="noStrike">
-                <a:solidFill>
-                  <a:srgbClr val="000000"/>
-                </a:solidFill>
-                <a:latin typeface="Arial"/>
-              </a:rPr>
-              <a:t>Click to edit the title text format</a:t>
-            </a:r>
-            <a:endParaRPr b="0" lang="en-US" sz="1940" spc="-1" strike="noStrike">
-              <a:solidFill>
-                <a:srgbClr val="000000"/>
-              </a:solidFill>
-              <a:latin typeface="Arial"/>
-            </a:endParaRPr>
-          </a:p>
-        </p:txBody>
       </p:sp>
     </p:spTree>
   </p:cSld>
@@ -2384,14 +2251,14 @@
       </p:grpSpPr>
       <p:sp>
         <p:nvSpPr>
-          <p:cNvPr id="44" name="CustomShape 1"/>
+          <p:cNvPr id="43" name="CustomShape 1"/>
           <p:cNvSpPr/>
           <p:nvPr/>
         </p:nvSpPr>
         <p:spPr>
           <a:xfrm>
             <a:off x="137880" y="1576080"/>
-            <a:ext cx="4343760" cy="4680720"/>
+            <a:ext cx="4343400" cy="4680360"/>
           </a:xfrm>
           <a:prstGeom prst="rect">
             <a:avLst/>
@@ -2415,14 +2282,14 @@
       </p:sp>
       <p:sp>
         <p:nvSpPr>
-          <p:cNvPr id="45" name="CustomShape 2"/>
+          <p:cNvPr id="44" name="CustomShape 2"/>
           <p:cNvSpPr/>
           <p:nvPr/>
         </p:nvSpPr>
         <p:spPr>
           <a:xfrm>
             <a:off x="4587480" y="1576080"/>
-            <a:ext cx="4343760" cy="4680720"/>
+            <a:ext cx="4343400" cy="4680360"/>
           </a:xfrm>
           <a:prstGeom prst="rect">
             <a:avLst/>
@@ -2446,14 +2313,14 @@
       </p:sp>
       <p:sp>
         <p:nvSpPr>
-          <p:cNvPr id="46" name="CustomShape 3"/>
+          <p:cNvPr id="45" name="CustomShape 3"/>
           <p:cNvSpPr/>
           <p:nvPr/>
         </p:nvSpPr>
         <p:spPr>
           <a:xfrm>
             <a:off x="218880" y="1618200"/>
-            <a:ext cx="288000" cy="288000"/>
+            <a:ext cx="287640" cy="287640"/>
           </a:xfrm>
           <a:prstGeom prst="rect">
             <a:avLst/>
@@ -2502,14 +2369,14 @@
       </p:sp>
       <p:sp>
         <p:nvSpPr>
-          <p:cNvPr id="47" name="CustomShape 4"/>
+          <p:cNvPr id="46" name="CustomShape 4"/>
           <p:cNvSpPr/>
           <p:nvPr/>
         </p:nvSpPr>
         <p:spPr>
           <a:xfrm>
             <a:off x="4668480" y="1618200"/>
-            <a:ext cx="288000" cy="288000"/>
+            <a:ext cx="287640" cy="287640"/>
           </a:xfrm>
           <a:prstGeom prst="rect">
             <a:avLst/>
@@ -2558,14 +2425,14 @@
       </p:sp>
       <p:sp>
         <p:nvSpPr>
-          <p:cNvPr id="48" name="CustomShape 5"/>
+          <p:cNvPr id="47" name="CustomShape 5"/>
           <p:cNvSpPr/>
           <p:nvPr/>
         </p:nvSpPr>
         <p:spPr>
           <a:xfrm>
             <a:off x="601200" y="1650240"/>
-            <a:ext cx="3597120" cy="223920"/>
+            <a:ext cx="3596760" cy="223560"/>
           </a:xfrm>
           <a:prstGeom prst="rect">
             <a:avLst/>
@@ -2612,14 +2479,14 @@
       </p:sp>
       <p:sp>
         <p:nvSpPr>
-          <p:cNvPr id="49" name="CustomShape 6"/>
+          <p:cNvPr id="48" name="CustomShape 6"/>
           <p:cNvSpPr/>
           <p:nvPr/>
         </p:nvSpPr>
         <p:spPr>
           <a:xfrm>
             <a:off x="5050800" y="1650240"/>
-            <a:ext cx="3597120" cy="223920"/>
+            <a:ext cx="3596760" cy="223560"/>
           </a:xfrm>
           <a:prstGeom prst="rect">
             <a:avLst/>
@@ -2666,14 +2533,14 @@
       </p:sp>
       <p:sp>
         <p:nvSpPr>
-          <p:cNvPr id="50" name="CustomShape 7"/>
+          <p:cNvPr id="49" name="CustomShape 7"/>
           <p:cNvSpPr/>
           <p:nvPr/>
         </p:nvSpPr>
         <p:spPr>
           <a:xfrm>
             <a:off x="4668480" y="3207240"/>
-            <a:ext cx="288000" cy="288000"/>
+            <a:ext cx="287640" cy="287640"/>
           </a:xfrm>
           <a:prstGeom prst="rect">
             <a:avLst/>
@@ -2722,14 +2589,14 @@
       </p:sp>
       <p:sp>
         <p:nvSpPr>
-          <p:cNvPr id="51" name="CustomShape 8"/>
+          <p:cNvPr id="50" name="CustomShape 8"/>
           <p:cNvSpPr/>
           <p:nvPr/>
         </p:nvSpPr>
         <p:spPr>
           <a:xfrm>
             <a:off x="218880" y="3495240"/>
-            <a:ext cx="288000" cy="288000"/>
+            <a:ext cx="287640" cy="287640"/>
           </a:xfrm>
           <a:prstGeom prst="rect">
             <a:avLst/>
@@ -2778,14 +2645,14 @@
       </p:sp>
       <p:sp>
         <p:nvSpPr>
-          <p:cNvPr id="52" name="CustomShape 9"/>
+          <p:cNvPr id="51" name="CustomShape 9"/>
           <p:cNvSpPr/>
           <p:nvPr/>
         </p:nvSpPr>
         <p:spPr>
           <a:xfrm>
             <a:off x="685800" y="3538800"/>
-            <a:ext cx="3597120" cy="223920"/>
+            <a:ext cx="3596760" cy="223560"/>
           </a:xfrm>
           <a:prstGeom prst="rect">
             <a:avLst/>
@@ -2832,14 +2699,14 @@
       </p:sp>
       <p:sp>
         <p:nvSpPr>
-          <p:cNvPr id="53" name="CustomShape 10"/>
+          <p:cNvPr id="52" name="CustomShape 10"/>
           <p:cNvSpPr/>
           <p:nvPr/>
         </p:nvSpPr>
         <p:spPr>
           <a:xfrm>
             <a:off x="5050800" y="3239280"/>
-            <a:ext cx="3597120" cy="223920"/>
+            <a:ext cx="3596760" cy="223560"/>
           </a:xfrm>
           <a:prstGeom prst="rect">
             <a:avLst/>
@@ -2886,14 +2753,14 @@
       </p:sp>
       <p:sp>
         <p:nvSpPr>
-          <p:cNvPr id="54" name="CustomShape 11"/>
+          <p:cNvPr id="53" name="CustomShape 11"/>
           <p:cNvSpPr/>
           <p:nvPr/>
         </p:nvSpPr>
         <p:spPr>
           <a:xfrm>
             <a:off x="218880" y="4797720"/>
-            <a:ext cx="288000" cy="288000"/>
+            <a:ext cx="287640" cy="287640"/>
           </a:xfrm>
           <a:prstGeom prst="rect">
             <a:avLst/>
@@ -2942,14 +2809,14 @@
       </p:sp>
       <p:sp>
         <p:nvSpPr>
-          <p:cNvPr id="55" name="CustomShape 12"/>
+          <p:cNvPr id="54" name="CustomShape 12"/>
           <p:cNvSpPr/>
           <p:nvPr/>
         </p:nvSpPr>
         <p:spPr>
           <a:xfrm>
             <a:off x="4668480" y="4797720"/>
-            <a:ext cx="288000" cy="288000"/>
+            <a:ext cx="287640" cy="287640"/>
           </a:xfrm>
           <a:prstGeom prst="rect">
             <a:avLst/>
@@ -2998,14 +2865,14 @@
       </p:sp>
       <p:sp>
         <p:nvSpPr>
-          <p:cNvPr id="56" name="CustomShape 13"/>
+          <p:cNvPr id="55" name="CustomShape 13"/>
           <p:cNvSpPr/>
           <p:nvPr/>
         </p:nvSpPr>
         <p:spPr>
           <a:xfrm>
             <a:off x="601200" y="4831920"/>
-            <a:ext cx="3597120" cy="219240"/>
+            <a:ext cx="3596760" cy="218880"/>
           </a:xfrm>
           <a:prstGeom prst="rect">
             <a:avLst/>
@@ -3052,14 +2919,14 @@
       </p:sp>
       <p:sp>
         <p:nvSpPr>
-          <p:cNvPr id="57" name="CustomShape 14"/>
+          <p:cNvPr id="56" name="CustomShape 14"/>
           <p:cNvSpPr/>
           <p:nvPr/>
         </p:nvSpPr>
         <p:spPr>
           <a:xfrm>
             <a:off x="5050800" y="4829760"/>
-            <a:ext cx="3597120" cy="223920"/>
+            <a:ext cx="3596760" cy="223560"/>
           </a:xfrm>
           <a:prstGeom prst="rect">
             <a:avLst/>
@@ -3106,14 +2973,14 @@
       </p:sp>
       <p:sp>
         <p:nvSpPr>
-          <p:cNvPr id="58" name="CustomShape 15"/>
+          <p:cNvPr id="57" name="CustomShape 15"/>
           <p:cNvSpPr/>
           <p:nvPr/>
         </p:nvSpPr>
         <p:spPr>
           <a:xfrm>
             <a:off x="157680" y="1913400"/>
-            <a:ext cx="4323960" cy="1245600"/>
+            <a:ext cx="4323600" cy="1245240"/>
           </a:xfrm>
           <a:prstGeom prst="rect">
             <a:avLst/>
@@ -3130,7 +2997,7 @@
           <a:fontRef idx="minor"/>
         </p:style>
         <p:txBody>
-          <a:bodyPr>
+          <a:bodyPr lIns="90000" rIns="90000" tIns="45000" bIns="45000">
             <a:noAutofit/>
           </a:bodyPr>
           <a:p>
@@ -3183,14 +3050,14 @@
       </p:sp>
       <p:sp>
         <p:nvSpPr>
-          <p:cNvPr id="59" name="CustomShape 16"/>
+          <p:cNvPr id="58" name="CustomShape 16"/>
           <p:cNvSpPr/>
           <p:nvPr/>
         </p:nvSpPr>
         <p:spPr>
           <a:xfrm>
             <a:off x="143280" y="3886200"/>
-            <a:ext cx="4323960" cy="1062720"/>
+            <a:ext cx="4323600" cy="1062360"/>
           </a:xfrm>
           <a:prstGeom prst="rect">
             <a:avLst/>
@@ -3207,7 +3074,7 @@
           <a:fontRef idx="minor"/>
         </p:style>
         <p:txBody>
-          <a:bodyPr>
+          <a:bodyPr lIns="90000" rIns="90000" tIns="45000" bIns="45000">
             <a:noAutofit/>
           </a:bodyPr>
           <a:p>
@@ -3227,24 +3094,47 @@
                 <a:latin typeface="Arial"/>
                 <a:ea typeface="Arial"/>
               </a:rPr>
-              <a:t>To maintain their revenue  and recover from this expenditure they need more data-driven business strategy to select better price. </a:t>
+              <a:t>To maintain their revenue  and recover from this expenditure they need more data-driven business strategy to select better price. It means, they need to maintain the annual profit margin for upcoming season while covering additional cost of $1.54 million.</a:t>
             </a:r>
             <a:endParaRPr b="0" lang="en-US" sz="1070" spc="-1" strike="noStrike">
               <a:latin typeface="Arial"/>
             </a:endParaRPr>
           </a:p>
-        </p:txBody>
-      </p:sp>
-      <p:sp>
-        <p:nvSpPr>
-          <p:cNvPr id="60" name="CustomShape 17"/>
+          <a:p>
+            <a:pPr>
+              <a:lnSpc>
+                <a:spcPct val="100000"/>
+              </a:lnSpc>
+              <a:tabLst>
+                <a:tab algn="l" pos="0"/>
+              </a:tabLst>
+            </a:pPr>
+            <a:r>
+              <a:rPr b="0" lang="en-AU" sz="1070" spc="-1" strike="noStrike">
+                <a:solidFill>
+                  <a:srgbClr val="000000"/>
+                </a:solidFill>
+                <a:latin typeface="Arial"/>
+                <a:ea typeface="Arial"/>
+              </a:rPr>
+              <a:t> </a:t>
+            </a:r>
+            <a:endParaRPr b="0" lang="en-US" sz="1070" spc="-1" strike="noStrike">
+              <a:latin typeface="Arial"/>
+            </a:endParaRPr>
+          </a:p>
+        </p:txBody>
+      </p:sp>
+      <p:sp>
+        <p:nvSpPr>
+          <p:cNvPr id="59" name="CustomShape 17"/>
           <p:cNvSpPr/>
           <p:nvPr/>
         </p:nvSpPr>
         <p:spPr>
           <a:xfrm>
             <a:off x="186840" y="5184720"/>
-            <a:ext cx="4323960" cy="750960"/>
+            <a:ext cx="4323600" cy="750600"/>
           </a:xfrm>
           <a:prstGeom prst="rect">
             <a:avLst/>
@@ -3261,7 +3151,7 @@
           <a:fontRef idx="minor"/>
         </p:style>
         <p:txBody>
-          <a:bodyPr>
+          <a:bodyPr lIns="90000" rIns="90000" tIns="45000" bIns="45000">
             <a:noAutofit/>
           </a:bodyPr>
           <a:p>
@@ -3314,14 +3204,14 @@
       </p:sp>
       <p:sp>
         <p:nvSpPr>
-          <p:cNvPr id="61" name="CustomShape 18"/>
+          <p:cNvPr id="60" name="CustomShape 18"/>
           <p:cNvSpPr/>
           <p:nvPr/>
         </p:nvSpPr>
         <p:spPr>
           <a:xfrm>
             <a:off x="4558320" y="1963800"/>
-            <a:ext cx="4323960" cy="1080720"/>
+            <a:ext cx="4323600" cy="1080360"/>
           </a:xfrm>
           <a:prstGeom prst="rect">
             <a:avLst/>
@@ -3338,7 +3228,7 @@
           <a:fontRef idx="minor"/>
         </p:style>
         <p:txBody>
-          <a:bodyPr>
+          <a:bodyPr lIns="90000" rIns="90000" tIns="45000" bIns="45000">
             <a:noAutofit/>
           </a:bodyPr>
           <a:p>
@@ -3381,24 +3271,70 @@
                 <a:latin typeface="Arial"/>
                 <a:ea typeface="Arial"/>
               </a:rPr>
-              <a:t>Ticket price must be reasonable to avoid loosing customers.  </a:t>
+              <a:t>Ticket price must be reasonable to avoid loosing customers.</a:t>
             </a:r>
             <a:endParaRPr b="0" lang="en-US" sz="1070" spc="-1" strike="noStrike">
               <a:latin typeface="Arial"/>
             </a:endParaRPr>
           </a:p>
-        </p:txBody>
-      </p:sp>
-      <p:sp>
-        <p:nvSpPr>
-          <p:cNvPr id="62" name="CustomShape 19"/>
+          <a:p>
+            <a:pPr>
+              <a:lnSpc>
+                <a:spcPct val="100000"/>
+              </a:lnSpc>
+              <a:tabLst>
+                <a:tab algn="l" pos="0"/>
+              </a:tabLst>
+            </a:pPr>
+            <a:r>
+              <a:rPr b="0" lang="en-AU" sz="1070" spc="-1" strike="noStrike">
+                <a:solidFill>
+                  <a:srgbClr val="000000"/>
+                </a:solidFill>
+                <a:latin typeface="Arial"/>
+                <a:ea typeface="Arial"/>
+              </a:rPr>
+              <a:t>Increased cost of $1.54 million for the additional chair lift.  </a:t>
+            </a:r>
+            <a:endParaRPr b="0" lang="en-US" sz="1070" spc="-1" strike="noStrike">
+              <a:latin typeface="Arial"/>
+            </a:endParaRPr>
+          </a:p>
+          <a:p>
+            <a:pPr>
+              <a:lnSpc>
+                <a:spcPct val="100000"/>
+              </a:lnSpc>
+              <a:tabLst>
+                <a:tab algn="l" pos="0"/>
+              </a:tabLst>
+            </a:pPr>
+            <a:r>
+              <a:rPr b="0" lang="en-AU" sz="1070" spc="-1" strike="noStrike">
+                <a:solidFill>
+                  <a:srgbClr val="000000"/>
+                </a:solidFill>
+                <a:latin typeface="Arial"/>
+                <a:ea typeface="Arial"/>
+              </a:rPr>
+              <a:t>350,000 visitors.</a:t>
+            </a:r>
+            <a:endParaRPr b="0" lang="en-US" sz="1070" spc="-1" strike="noStrike">
+              <a:latin typeface="Arial"/>
+            </a:endParaRPr>
+          </a:p>
+        </p:txBody>
+      </p:sp>
+      <p:sp>
+        <p:nvSpPr>
+          <p:cNvPr id="61" name="CustomShape 19"/>
           <p:cNvSpPr/>
           <p:nvPr/>
         </p:nvSpPr>
         <p:spPr>
           <a:xfrm>
             <a:off x="4591080" y="5085000"/>
-            <a:ext cx="4323960" cy="1080720"/>
+            <a:ext cx="4323600" cy="1080360"/>
           </a:xfrm>
           <a:prstGeom prst="rect">
             <a:avLst/>
@@ -3415,7 +3351,7 @@
           <a:fontRef idx="minor"/>
         </p:style>
         <p:txBody>
-          <a:bodyPr>
+          <a:bodyPr lIns="90000" rIns="90000" tIns="45000" bIns="45000">
             <a:noAutofit/>
           </a:bodyPr>
           <a:p>
@@ -3445,14 +3381,14 @@
       </p:sp>
       <p:sp>
         <p:nvSpPr>
-          <p:cNvPr id="63" name="CustomShape 20"/>
+          <p:cNvPr id="62" name="CustomShape 20"/>
           <p:cNvSpPr/>
           <p:nvPr/>
         </p:nvSpPr>
         <p:spPr>
           <a:xfrm>
             <a:off x="6633360" y="6524280"/>
-            <a:ext cx="431640" cy="204840"/>
+            <a:ext cx="431280" cy="204480"/>
           </a:xfrm>
           <a:prstGeom prst="chevron">
             <a:avLst>
@@ -3476,7 +3412,7 @@
           <a:fontRef idx="minor"/>
         </p:style>
         <p:txBody>
-          <a:bodyPr anchor="ctr">
+          <a:bodyPr lIns="90000" rIns="90000" tIns="45000" bIns="45000" anchor="ctr">
             <a:noAutofit/>
           </a:bodyPr>
           <a:p>
@@ -3506,14 +3442,14 @@
       </p:sp>
       <p:sp>
         <p:nvSpPr>
-          <p:cNvPr id="64" name="CustomShape 21"/>
+          <p:cNvPr id="63" name="CustomShape 21"/>
           <p:cNvSpPr/>
           <p:nvPr/>
         </p:nvSpPr>
         <p:spPr>
           <a:xfrm>
             <a:off x="7028640" y="6513840"/>
-            <a:ext cx="431640" cy="215640"/>
+            <a:ext cx="431280" cy="215280"/>
           </a:xfrm>
           <a:prstGeom prst="chevron">
             <a:avLst>
@@ -3534,7 +3470,7 @@
           <a:fontRef idx="minor"/>
         </p:style>
         <p:txBody>
-          <a:bodyPr anchor="ctr">
+          <a:bodyPr lIns="90000" rIns="90000" tIns="45000" bIns="45000" anchor="ctr">
             <a:noAutofit/>
           </a:bodyPr>
           <a:p>
@@ -3564,14 +3500,14 @@
       </p:sp>
       <p:sp>
         <p:nvSpPr>
-          <p:cNvPr id="65" name="CustomShape 22"/>
+          <p:cNvPr id="64" name="CustomShape 22"/>
           <p:cNvSpPr/>
           <p:nvPr/>
         </p:nvSpPr>
         <p:spPr>
           <a:xfrm>
             <a:off x="7452360" y="6503040"/>
-            <a:ext cx="431640" cy="215640"/>
+            <a:ext cx="431280" cy="215280"/>
           </a:xfrm>
           <a:prstGeom prst="chevron">
             <a:avLst>
@@ -3592,7 +3528,7 @@
           <a:fontRef idx="minor"/>
         </p:style>
         <p:txBody>
-          <a:bodyPr anchor="ctr">
+          <a:bodyPr lIns="90000" rIns="90000" tIns="45000" bIns="45000" anchor="ctr">
             <a:noAutofit/>
           </a:bodyPr>
           <a:p>
@@ -3622,14 +3558,14 @@
       </p:sp>
       <p:sp>
         <p:nvSpPr>
-          <p:cNvPr id="66" name="CustomShape 23"/>
+          <p:cNvPr id="65" name="CustomShape 23"/>
           <p:cNvSpPr/>
           <p:nvPr/>
         </p:nvSpPr>
         <p:spPr>
           <a:xfrm>
             <a:off x="7846560" y="6508080"/>
-            <a:ext cx="431640" cy="215640"/>
+            <a:ext cx="431280" cy="215280"/>
           </a:xfrm>
           <a:prstGeom prst="chevron">
             <a:avLst>
@@ -3650,7 +3586,7 @@
           <a:fontRef idx="minor"/>
         </p:style>
         <p:txBody>
-          <a:bodyPr anchor="ctr">
+          <a:bodyPr lIns="90000" rIns="90000" tIns="45000" bIns="45000" anchor="ctr">
             <a:noAutofit/>
           </a:bodyPr>
           <a:p>
@@ -3680,14 +3616,14 @@
       </p:sp>
       <p:sp>
         <p:nvSpPr>
-          <p:cNvPr id="67" name="CustomShape 24"/>
+          <p:cNvPr id="66" name="CustomShape 24"/>
           <p:cNvSpPr/>
           <p:nvPr/>
         </p:nvSpPr>
         <p:spPr>
           <a:xfrm>
             <a:off x="8245800" y="6503040"/>
-            <a:ext cx="431640" cy="215640"/>
+            <a:ext cx="431280" cy="215280"/>
           </a:xfrm>
           <a:prstGeom prst="chevron">
             <a:avLst>
@@ -3708,7 +3644,7 @@
           <a:fontRef idx="minor"/>
         </p:style>
         <p:txBody>
-          <a:bodyPr anchor="ctr">
+          <a:bodyPr lIns="90000" rIns="90000" tIns="45000" bIns="45000" anchor="ctr">
             <a:noAutofit/>
           </a:bodyPr>
           <a:p>
@@ -3738,14 +3674,14 @@
       </p:sp>
       <p:sp>
         <p:nvSpPr>
-          <p:cNvPr id="68" name="CustomShape 25"/>
+          <p:cNvPr id="67" name="CustomShape 25"/>
           <p:cNvSpPr/>
           <p:nvPr/>
         </p:nvSpPr>
         <p:spPr>
           <a:xfrm>
             <a:off x="8099280" y="707040"/>
-            <a:ext cx="431640" cy="204840"/>
+            <a:ext cx="431280" cy="204480"/>
           </a:xfrm>
           <a:prstGeom prst="chevron">
             <a:avLst>
@@ -3769,7 +3705,7 @@
           <a:fontRef idx="minor"/>
         </p:style>
         <p:txBody>
-          <a:bodyPr anchor="ctr">
+          <a:bodyPr lIns="90000" rIns="90000" tIns="45000" bIns="45000" anchor="ctr">
             <a:noAutofit/>
           </a:bodyPr>
           <a:p>
@@ -3799,14 +3735,14 @@
       </p:sp>
       <p:sp>
         <p:nvSpPr>
-          <p:cNvPr id="69" name="CustomShape 26"/>
+          <p:cNvPr id="68" name="CustomShape 26"/>
           <p:cNvSpPr/>
           <p:nvPr/>
         </p:nvSpPr>
         <p:spPr>
           <a:xfrm>
             <a:off x="121680" y="116640"/>
-            <a:ext cx="7724520" cy="1136880"/>
+            <a:ext cx="7724160" cy="1136520"/>
           </a:xfrm>
           <a:prstGeom prst="wedgeRectCallout">
             <a:avLst>
@@ -3830,65 +3766,14 @@
       </p:sp>
       <p:sp>
         <p:nvSpPr>
-          <p:cNvPr id="70" name="TextShape 27"/>
-          <p:cNvSpPr txBox="1"/>
-          <p:nvPr/>
-        </p:nvSpPr>
-        <p:spPr>
-          <a:xfrm>
-            <a:off x="184320" y="189720"/>
-            <a:ext cx="8793360" cy="307440"/>
-          </a:xfrm>
-          <a:prstGeom prst="rect">
-            <a:avLst/>
-          </a:prstGeom>
-          <a:noFill/>
-          <a:ln w="0">
-            <a:noFill/>
-          </a:ln>
-        </p:spPr>
-        <p:txBody>
-          <a:bodyPr lIns="0" rIns="0" tIns="0" bIns="0">
-            <a:noAutofit/>
-          </a:bodyPr>
-          <a:p>
-            <a:pPr>
-              <a:lnSpc>
-                <a:spcPct val="100000"/>
-              </a:lnSpc>
-              <a:tabLst>
-                <a:tab algn="l" pos="0"/>
-              </a:tabLst>
-            </a:pPr>
-            <a:r>
-              <a:rPr b="1" lang="en-AU" sz="2000" spc="-1" strike="noStrike">
-                <a:solidFill>
-                  <a:srgbClr val="29748d"/>
-                </a:solidFill>
-                <a:latin typeface="Quattrocento Sans"/>
-                <a:ea typeface="Quattrocento Sans"/>
-              </a:rPr>
-              <a:t>Problem Statement Worksheet (Hypothesis Formation)</a:t>
-            </a:r>
-            <a:endParaRPr b="0" lang="en-US" sz="2000" spc="-1" strike="noStrike">
-              <a:solidFill>
-                <a:srgbClr val="000000"/>
-              </a:solidFill>
-              <a:latin typeface="Arial"/>
-            </a:endParaRPr>
-          </a:p>
-        </p:txBody>
-      </p:sp>
-      <p:sp>
-        <p:nvSpPr>
-          <p:cNvPr id="71" name="CustomShape 28"/>
+          <p:cNvPr id="69" name="CustomShape 27"/>
           <p:cNvSpPr/>
           <p:nvPr/>
         </p:nvSpPr>
         <p:spPr>
           <a:xfrm>
-            <a:off x="4607280" y="3547440"/>
-            <a:ext cx="4323960" cy="1080720"/>
+            <a:off x="184320" y="189720"/>
+            <a:ext cx="8793000" cy="307080"/>
           </a:xfrm>
           <a:prstGeom prst="rect">
             <a:avLst/>
@@ -3905,7 +3790,7 @@
           <a:fontRef idx="minor"/>
         </p:style>
         <p:txBody>
-          <a:bodyPr>
+          <a:bodyPr lIns="0" rIns="0" tIns="0" bIns="0">
             <a:noAutofit/>
           </a:bodyPr>
           <a:p>
@@ -3918,54 +3803,31 @@
               </a:tabLst>
             </a:pPr>
             <a:r>
-              <a:rPr b="0" lang="en-AU" sz="1070" spc="-1" strike="noStrike">
-                <a:solidFill>
-                  <a:srgbClr val="000000"/>
-                </a:solidFill>
-                <a:latin typeface="Arial"/>
-                <a:ea typeface="Arial"/>
-              </a:rPr>
-              <a:t>Jimmy Blackburn - Director of Operations</a:t>
-            </a:r>
-            <a:endParaRPr b="0" lang="en-US" sz="1070" spc="-1" strike="noStrike">
-              <a:latin typeface="Arial"/>
-            </a:endParaRPr>
-          </a:p>
-          <a:p>
-            <a:pPr>
-              <a:lnSpc>
-                <a:spcPct val="100000"/>
-              </a:lnSpc>
-              <a:tabLst>
-                <a:tab algn="l" pos="0"/>
-              </a:tabLst>
-            </a:pPr>
-            <a:r>
-              <a:rPr b="0" lang="en-AU" sz="1070" spc="-1" strike="noStrike">
-                <a:solidFill>
-                  <a:srgbClr val="000000"/>
-                </a:solidFill>
-                <a:latin typeface="Arial"/>
-                <a:ea typeface="Arial"/>
-              </a:rPr>
-              <a:t>Alesha Eisen -  Database Manager</a:t>
-            </a:r>
-            <a:endParaRPr b="0" lang="en-US" sz="1070" spc="-1" strike="noStrike">
-              <a:latin typeface="Arial"/>
-            </a:endParaRPr>
-          </a:p>
-        </p:txBody>
-      </p:sp>
-      <p:sp>
-        <p:nvSpPr>
-          <p:cNvPr id="72" name="CustomShape 29"/>
+              <a:rPr b="1" lang="en-AU" sz="2000" spc="-1" strike="noStrike">
+                <a:solidFill>
+                  <a:srgbClr val="29748d"/>
+                </a:solidFill>
+                <a:latin typeface="Quattrocento Sans"/>
+                <a:ea typeface="Quattrocento Sans"/>
+              </a:rPr>
+              <a:t>Problem Statement Worksheet (Hypothesis Formation)</a:t>
+            </a:r>
+            <a:endParaRPr b="0" lang="en-US" sz="2000" spc="-1" strike="noStrike">
+              <a:latin typeface="Arial"/>
+            </a:endParaRPr>
+          </a:p>
+        </p:txBody>
+      </p:sp>
+      <p:sp>
+        <p:nvSpPr>
+          <p:cNvPr id="70" name="CustomShape 28"/>
           <p:cNvSpPr/>
           <p:nvPr/>
         </p:nvSpPr>
         <p:spPr>
           <a:xfrm>
-            <a:off x="148320" y="541080"/>
-            <a:ext cx="8584200" cy="492120"/>
+            <a:off x="4607280" y="3547440"/>
+            <a:ext cx="4323600" cy="1080360"/>
           </a:xfrm>
           <a:prstGeom prst="rect">
             <a:avLst/>
@@ -3982,7 +3844,84 @@
           <a:fontRef idx="minor"/>
         </p:style>
         <p:txBody>
-          <a:bodyPr>
+          <a:bodyPr lIns="90000" rIns="90000" tIns="45000" bIns="45000">
+            <a:noAutofit/>
+          </a:bodyPr>
+          <a:p>
+            <a:pPr>
+              <a:lnSpc>
+                <a:spcPct val="100000"/>
+              </a:lnSpc>
+              <a:tabLst>
+                <a:tab algn="l" pos="0"/>
+              </a:tabLst>
+            </a:pPr>
+            <a:r>
+              <a:rPr b="0" lang="en-AU" sz="1070" spc="-1" strike="noStrike">
+                <a:solidFill>
+                  <a:srgbClr val="000000"/>
+                </a:solidFill>
+                <a:latin typeface="Arial"/>
+                <a:ea typeface="Arial"/>
+              </a:rPr>
+              <a:t>Jimmy Blackburn - Director of Operations</a:t>
+            </a:r>
+            <a:endParaRPr b="0" lang="en-US" sz="1070" spc="-1" strike="noStrike">
+              <a:latin typeface="Arial"/>
+            </a:endParaRPr>
+          </a:p>
+          <a:p>
+            <a:pPr>
+              <a:lnSpc>
+                <a:spcPct val="100000"/>
+              </a:lnSpc>
+              <a:tabLst>
+                <a:tab algn="l" pos="0"/>
+              </a:tabLst>
+            </a:pPr>
+            <a:r>
+              <a:rPr b="0" lang="en-AU" sz="1070" spc="-1" strike="noStrike">
+                <a:solidFill>
+                  <a:srgbClr val="000000"/>
+                </a:solidFill>
+                <a:latin typeface="Arial"/>
+                <a:ea typeface="Arial"/>
+              </a:rPr>
+              <a:t>Alesha Eisen -  Database Manager</a:t>
+            </a:r>
+            <a:endParaRPr b="0" lang="en-US" sz="1070" spc="-1" strike="noStrike">
+              <a:latin typeface="Arial"/>
+            </a:endParaRPr>
+          </a:p>
+        </p:txBody>
+      </p:sp>
+      <p:sp>
+        <p:nvSpPr>
+          <p:cNvPr id="71" name="CustomShape 29"/>
+          <p:cNvSpPr/>
+          <p:nvPr/>
+        </p:nvSpPr>
+        <p:spPr>
+          <a:xfrm>
+            <a:off x="148320" y="541080"/>
+            <a:ext cx="8583840" cy="491760"/>
+          </a:xfrm>
+          <a:prstGeom prst="rect">
+            <a:avLst/>
+          </a:prstGeom>
+          <a:noFill/>
+          <a:ln w="0">
+            <a:noFill/>
+          </a:ln>
+        </p:spPr>
+        <p:style>
+          <a:lnRef idx="0"/>
+          <a:fillRef idx="0"/>
+          <a:effectRef idx="0"/>
+          <a:fontRef idx="minor"/>
+        </p:style>
+        <p:txBody>
+          <a:bodyPr lIns="90000" rIns="90000" tIns="45000" bIns="45000">
             <a:noAutofit/>
           </a:bodyPr>
           <a:p>

--- a/Big Mountain Problem Statement Worksheet.pptx
+++ b/Big Mountain Problem Statement Worksheet.pptx
@@ -34,7 +34,7 @@
       </p:grpSpPr>
       <p:sp>
         <p:nvSpPr>
-          <p:cNvPr id="37" name="PlaceHolder 1"/>
+          <p:cNvPr id="39" name="PlaceHolder 1"/>
           <p:cNvSpPr>
             <a:spLocks noGrp="1"/>
           </p:cNvSpPr>
@@ -71,7 +71,7 @@
       </p:sp>
       <p:sp>
         <p:nvSpPr>
-          <p:cNvPr id="38" name="PlaceHolder 2"/>
+          <p:cNvPr id="40" name="PlaceHolder 2"/>
           <p:cNvSpPr>
             <a:spLocks noGrp="1"/>
           </p:cNvSpPr>
@@ -107,7 +107,7 @@
       </p:sp>
       <p:sp>
         <p:nvSpPr>
-          <p:cNvPr id="39" name="PlaceHolder 3"/>
+          <p:cNvPr id="41" name="PlaceHolder 3"/>
           <p:cNvSpPr>
             <a:spLocks noGrp="1"/>
           </p:cNvSpPr>
@@ -143,7 +143,7 @@
       </p:sp>
       <p:sp>
         <p:nvSpPr>
-          <p:cNvPr id="40" name="PlaceHolder 4"/>
+          <p:cNvPr id="42" name="PlaceHolder 4"/>
           <p:cNvSpPr>
             <a:spLocks noGrp="1"/>
           </p:cNvSpPr>
@@ -180,7 +180,7 @@
       </p:sp>
       <p:sp>
         <p:nvSpPr>
-          <p:cNvPr id="41" name="PlaceHolder 5"/>
+          <p:cNvPr id="43" name="PlaceHolder 5"/>
           <p:cNvSpPr>
             <a:spLocks noGrp="1"/>
           </p:cNvSpPr>
@@ -216,7 +216,7 @@
       </p:sp>
       <p:sp>
         <p:nvSpPr>
-          <p:cNvPr id="42" name="PlaceHolder 6"/>
+          <p:cNvPr id="44" name="PlaceHolder 6"/>
           <p:cNvSpPr>
             <a:spLocks noGrp="1"/>
           </p:cNvSpPr>
@@ -239,7 +239,7 @@
           </a:bodyPr>
           <a:p>
             <a:pPr algn="r"/>
-            <a:fld id="{F852C561-03CA-425B-B34B-B5B259F6F73D}" type="slidenum">
+            <a:fld id="{46C94390-D952-4C97-8F29-25427CDF72D3}" type="slidenum">
               <a:rPr b="0" lang="en-US" sz="1400" spc="-1" strike="noStrike">
                 <a:latin typeface="Times New Roman"/>
               </a:rPr>
@@ -276,14 +276,14 @@
       </p:grpSpPr>
       <p:sp>
         <p:nvSpPr>
-          <p:cNvPr id="72" name="CustomShape 1"/>
+          <p:cNvPr id="74" name="CustomShape 1"/>
           <p:cNvSpPr/>
           <p:nvPr/>
         </p:nvSpPr>
         <p:spPr>
           <a:xfrm>
             <a:off x="6042240" y="9493560"/>
-            <a:ext cx="169200" cy="183960"/>
+            <a:ext cx="168840" cy="183600"/>
           </a:xfrm>
           <a:prstGeom prst="rect">
             <a:avLst/>
@@ -312,7 +312,7 @@
                 <a:tab algn="l" pos="0"/>
               </a:tabLst>
             </a:pPr>
-            <a:fld id="{035613A6-CF74-4ED7-BC7A-6DD678E02367}" type="slidenum">
+            <a:fld id="{6554334F-CE2D-4C0C-97A5-BA1F98A8486B}" type="slidenum">
               <a:rPr b="0" lang="en-AU" sz="1800" spc="-1" strike="noStrike">
                 <a:solidFill>
                   <a:srgbClr val="000000"/>
@@ -329,7 +329,7 @@
       </p:sp>
       <p:sp>
         <p:nvSpPr>
-          <p:cNvPr id="73" name="PlaceHolder 2"/>
+          <p:cNvPr id="75" name="PlaceHolder 2"/>
           <p:cNvSpPr>
             <a:spLocks noGrp="1"/>
           </p:cNvSpPr>
@@ -340,16 +340,16 @@
         <p:spPr>
           <a:xfrm>
             <a:off x="-2319480" y="1265400"/>
-            <a:ext cx="11200680" cy="8400240"/>
-          </a:xfrm>
-          <a:prstGeom prst="rect">
-            <a:avLst/>
-          </a:prstGeom>
-        </p:spPr>
-      </p:sp>
-      <p:sp>
-        <p:nvSpPr>
-          <p:cNvPr id="74" name="PlaceHolder 3"/>
+            <a:ext cx="11200320" cy="8399880"/>
+          </a:xfrm>
+          <a:prstGeom prst="rect">
+            <a:avLst/>
+          </a:prstGeom>
+        </p:spPr>
+      </p:sp>
+      <p:sp>
+        <p:nvSpPr>
+          <p:cNvPr id="76" name="PlaceHolder 3"/>
           <p:cNvSpPr>
             <a:spLocks noGrp="1"/>
           </p:cNvSpPr>
@@ -360,7 +360,7 @@
         <p:spPr>
           <a:xfrm>
             <a:off x="789480" y="605160"/>
-            <a:ext cx="5470200" cy="245520"/>
+            <a:ext cx="5469840" cy="245160"/>
           </a:xfrm>
           <a:prstGeom prst="rect">
             <a:avLst/>
@@ -371,7 +371,7 @@
             <a:noAutofit/>
           </a:bodyPr>
           <a:p>
-            <a:pPr marL="216000" indent="-216000">
+            <a:pPr marL="216000" indent="-215640">
               <a:lnSpc>
                 <a:spcPct val="100000"/>
               </a:lnSpc>
@@ -454,7 +454,7 @@
             </a:endParaRPr>
           </a:p>
           <a:p>
-            <a:pPr marL="216000" indent="-216000">
+            <a:pPr marL="216000" indent="-215640">
               <a:lnSpc>
                 <a:spcPct val="100000"/>
               </a:lnSpc>
@@ -467,7 +467,7 @@
             </a:endParaRPr>
           </a:p>
           <a:p>
-            <a:pPr marL="216000" indent="-216000">
+            <a:pPr marL="216000" indent="-215640">
               <a:lnSpc>
                 <a:spcPct val="100000"/>
               </a:lnSpc>
@@ -521,7 +521,7 @@
             </a:endParaRPr>
           </a:p>
           <a:p>
-            <a:pPr marL="216000" indent="-216000">
+            <a:pPr marL="216000" indent="-215640">
               <a:lnSpc>
                 <a:spcPct val="100000"/>
               </a:lnSpc>
@@ -534,7 +534,7 @@
             </a:endParaRPr>
           </a:p>
           <a:p>
-            <a:pPr marL="216000" indent="-216000">
+            <a:pPr marL="216000" indent="-215640">
               <a:lnSpc>
                 <a:spcPct val="100000"/>
               </a:lnSpc>
@@ -567,7 +567,7 @@
             </a:endParaRPr>
           </a:p>
           <a:p>
-            <a:pPr marL="216000" indent="-216000">
+            <a:pPr marL="216000" indent="-215640">
               <a:lnSpc>
                 <a:spcPct val="100000"/>
               </a:lnSpc>
@@ -580,7 +580,7 @@
             </a:endParaRPr>
           </a:p>
           <a:p>
-            <a:pPr marL="216000" indent="-216000">
+            <a:pPr marL="216000" indent="-215640">
               <a:lnSpc>
                 <a:spcPct val="100000"/>
               </a:lnSpc>
@@ -613,7 +613,7 @@
             </a:endParaRPr>
           </a:p>
           <a:p>
-            <a:pPr marL="216000" indent="-216000">
+            <a:pPr marL="216000" indent="-215640">
               <a:lnSpc>
                 <a:spcPct val="100000"/>
               </a:lnSpc>
@@ -626,7 +626,7 @@
             </a:endParaRPr>
           </a:p>
           <a:p>
-            <a:pPr marL="216000" indent="-216000">
+            <a:pPr marL="216000" indent="-215640">
               <a:lnSpc>
                 <a:spcPct val="100000"/>
               </a:lnSpc>
@@ -659,7 +659,7 @@
             </a:endParaRPr>
           </a:p>
           <a:p>
-            <a:pPr marL="216000" indent="-216000">
+            <a:pPr marL="216000" indent="-215640">
               <a:lnSpc>
                 <a:spcPct val="100000"/>
               </a:lnSpc>
@@ -672,7 +672,7 @@
             </a:endParaRPr>
           </a:p>
           <a:p>
-            <a:pPr marL="216000" indent="-216000">
+            <a:pPr marL="216000" indent="-215640">
               <a:lnSpc>
                 <a:spcPct val="100000"/>
               </a:lnSpc>
@@ -705,7 +705,7 @@
             </a:endParaRPr>
           </a:p>
           <a:p>
-            <a:pPr marL="216000" indent="-216000">
+            <a:pPr marL="216000" indent="-215640">
               <a:lnSpc>
                 <a:spcPct val="100000"/>
               </a:lnSpc>
@@ -718,7 +718,7 @@
             </a:endParaRPr>
           </a:p>
           <a:p>
-            <a:pPr marL="216000" indent="-216000">
+            <a:pPr marL="216000" indent="-215640">
               <a:lnSpc>
                 <a:spcPct val="100000"/>
               </a:lnSpc>
@@ -751,7 +751,7 @@
             </a:endParaRPr>
           </a:p>
           <a:p>
-            <a:pPr marL="216000" indent="-216000">
+            <a:pPr marL="216000" indent="-215640">
               <a:lnSpc>
                 <a:spcPct val="100000"/>
               </a:lnSpc>
@@ -774,7 +774,7 @@
             </a:endParaRPr>
           </a:p>
           <a:p>
-            <a:pPr marL="216000" indent="-216000">
+            <a:pPr marL="216000" indent="-215640">
               <a:lnSpc>
                 <a:spcPct val="100000"/>
               </a:lnSpc>
@@ -787,7 +787,7 @@
             </a:endParaRPr>
           </a:p>
           <a:p>
-            <a:pPr marL="216000" indent="-216000">
+            <a:pPr marL="216000" indent="-215640">
               <a:lnSpc>
                 <a:spcPct val="100000"/>
               </a:lnSpc>
@@ -847,7 +847,7 @@
       </p:grpSpPr>
       <p:sp>
         <p:nvSpPr>
-          <p:cNvPr id="22" name="PlaceHolder 1"/>
+          <p:cNvPr id="24" name="PlaceHolder 1"/>
           <p:cNvSpPr>
             <a:spLocks noGrp="1"/>
           </p:cNvSpPr>
@@ -878,7 +878,7 @@
       </p:sp>
       <p:sp>
         <p:nvSpPr>
-          <p:cNvPr id="23" name="PlaceHolder 2"/>
+          <p:cNvPr id="25" name="PlaceHolder 2"/>
           <p:cNvSpPr>
             <a:spLocks noGrp="1"/>
           </p:cNvSpPr>
@@ -908,7 +908,7 @@
       </p:sp>
       <p:sp>
         <p:nvSpPr>
-          <p:cNvPr id="24" name="PlaceHolder 3"/>
+          <p:cNvPr id="26" name="PlaceHolder 3"/>
           <p:cNvSpPr>
             <a:spLocks noGrp="1"/>
           </p:cNvSpPr>
@@ -960,7 +960,7 @@
       </p:grpSpPr>
       <p:sp>
         <p:nvSpPr>
-          <p:cNvPr id="25" name="PlaceHolder 1"/>
+          <p:cNvPr id="27" name="PlaceHolder 1"/>
           <p:cNvSpPr>
             <a:spLocks noGrp="1"/>
           </p:cNvSpPr>
@@ -991,7 +991,7 @@
       </p:sp>
       <p:sp>
         <p:nvSpPr>
-          <p:cNvPr id="26" name="PlaceHolder 2"/>
+          <p:cNvPr id="28" name="PlaceHolder 2"/>
           <p:cNvSpPr>
             <a:spLocks noGrp="1"/>
           </p:cNvSpPr>
@@ -1021,7 +1021,7 @@
       </p:sp>
       <p:sp>
         <p:nvSpPr>
-          <p:cNvPr id="27" name="PlaceHolder 3"/>
+          <p:cNvPr id="29" name="PlaceHolder 3"/>
           <p:cNvSpPr>
             <a:spLocks noGrp="1"/>
           </p:cNvSpPr>
@@ -1051,7 +1051,7 @@
       </p:sp>
       <p:sp>
         <p:nvSpPr>
-          <p:cNvPr id="28" name="PlaceHolder 4"/>
+          <p:cNvPr id="30" name="PlaceHolder 4"/>
           <p:cNvSpPr>
             <a:spLocks noGrp="1"/>
           </p:cNvSpPr>
@@ -1081,7 +1081,7 @@
       </p:sp>
       <p:sp>
         <p:nvSpPr>
-          <p:cNvPr id="29" name="PlaceHolder 5"/>
+          <p:cNvPr id="31" name="PlaceHolder 5"/>
           <p:cNvSpPr>
             <a:spLocks noGrp="1"/>
           </p:cNvSpPr>
@@ -1133,7 +1133,7 @@
       </p:grpSpPr>
       <p:sp>
         <p:nvSpPr>
-          <p:cNvPr id="30" name="PlaceHolder 1"/>
+          <p:cNvPr id="32" name="PlaceHolder 1"/>
           <p:cNvSpPr>
             <a:spLocks noGrp="1"/>
           </p:cNvSpPr>
@@ -1164,7 +1164,7 @@
       </p:sp>
       <p:sp>
         <p:nvSpPr>
-          <p:cNvPr id="31" name="PlaceHolder 2"/>
+          <p:cNvPr id="33" name="PlaceHolder 2"/>
           <p:cNvSpPr>
             <a:spLocks noGrp="1"/>
           </p:cNvSpPr>
@@ -1194,7 +1194,7 @@
       </p:sp>
       <p:sp>
         <p:nvSpPr>
-          <p:cNvPr id="32" name="PlaceHolder 3"/>
+          <p:cNvPr id="34" name="PlaceHolder 3"/>
           <p:cNvSpPr>
             <a:spLocks noGrp="1"/>
           </p:cNvSpPr>
@@ -1224,7 +1224,7 @@
       </p:sp>
       <p:sp>
         <p:nvSpPr>
-          <p:cNvPr id="33" name="PlaceHolder 4"/>
+          <p:cNvPr id="35" name="PlaceHolder 4"/>
           <p:cNvSpPr>
             <a:spLocks noGrp="1"/>
           </p:cNvSpPr>
@@ -1254,7 +1254,7 @@
       </p:sp>
       <p:sp>
         <p:nvSpPr>
-          <p:cNvPr id="34" name="PlaceHolder 5"/>
+          <p:cNvPr id="36" name="PlaceHolder 5"/>
           <p:cNvSpPr>
             <a:spLocks noGrp="1"/>
           </p:cNvSpPr>
@@ -1284,7 +1284,7 @@
       </p:sp>
       <p:sp>
         <p:nvSpPr>
-          <p:cNvPr id="35" name="PlaceHolder 6"/>
+          <p:cNvPr id="37" name="PlaceHolder 6"/>
           <p:cNvSpPr>
             <a:spLocks noGrp="1"/>
           </p:cNvSpPr>
@@ -1314,7 +1314,7 @@
       </p:sp>
       <p:sp>
         <p:nvSpPr>
-          <p:cNvPr id="36" name="PlaceHolder 7"/>
+          <p:cNvPr id="38" name="PlaceHolder 7"/>
           <p:cNvSpPr>
             <a:spLocks noGrp="1"/>
           </p:cNvSpPr>
@@ -1366,7 +1366,7 @@
       </p:grpSpPr>
       <p:sp>
         <p:nvSpPr>
-          <p:cNvPr id="1" name="PlaceHolder 1"/>
+          <p:cNvPr id="3" name="PlaceHolder 1"/>
           <p:cNvSpPr>
             <a:spLocks noGrp="1"/>
           </p:cNvSpPr>
@@ -1397,7 +1397,7 @@
       </p:sp>
       <p:sp>
         <p:nvSpPr>
-          <p:cNvPr id="2" name="PlaceHolder 2"/>
+          <p:cNvPr id="4" name="PlaceHolder 2"/>
           <p:cNvSpPr>
             <a:spLocks noGrp="1"/>
           </p:cNvSpPr>
@@ -1450,7 +1450,7 @@
       </p:grpSpPr>
       <p:sp>
         <p:nvSpPr>
-          <p:cNvPr id="3" name="PlaceHolder 1"/>
+          <p:cNvPr id="5" name="PlaceHolder 1"/>
           <p:cNvSpPr>
             <a:spLocks noGrp="1"/>
           </p:cNvSpPr>
@@ -1481,7 +1481,7 @@
       </p:sp>
       <p:sp>
         <p:nvSpPr>
-          <p:cNvPr id="4" name="PlaceHolder 2"/>
+          <p:cNvPr id="6" name="PlaceHolder 2"/>
           <p:cNvSpPr>
             <a:spLocks noGrp="1"/>
           </p:cNvSpPr>
@@ -1533,7 +1533,7 @@
       </p:grpSpPr>
       <p:sp>
         <p:nvSpPr>
-          <p:cNvPr id="5" name="PlaceHolder 1"/>
+          <p:cNvPr id="7" name="PlaceHolder 1"/>
           <p:cNvSpPr>
             <a:spLocks noGrp="1"/>
           </p:cNvSpPr>
@@ -1564,7 +1564,7 @@
       </p:sp>
       <p:sp>
         <p:nvSpPr>
-          <p:cNvPr id="6" name="PlaceHolder 2"/>
+          <p:cNvPr id="8" name="PlaceHolder 2"/>
           <p:cNvSpPr>
             <a:spLocks noGrp="1"/>
           </p:cNvSpPr>
@@ -1594,7 +1594,7 @@
       </p:sp>
       <p:sp>
         <p:nvSpPr>
-          <p:cNvPr id="7" name="PlaceHolder 3"/>
+          <p:cNvPr id="9" name="PlaceHolder 3"/>
           <p:cNvSpPr>
             <a:spLocks noGrp="1"/>
           </p:cNvSpPr>
@@ -1646,7 +1646,7 @@
       </p:grpSpPr>
       <p:sp>
         <p:nvSpPr>
-          <p:cNvPr id="8" name="PlaceHolder 1"/>
+          <p:cNvPr id="10" name="PlaceHolder 1"/>
           <p:cNvSpPr>
             <a:spLocks noGrp="1"/>
           </p:cNvSpPr>
@@ -1699,7 +1699,7 @@
       </p:grpSpPr>
       <p:sp>
         <p:nvSpPr>
-          <p:cNvPr id="9" name="PlaceHolder 1"/>
+          <p:cNvPr id="11" name="PlaceHolder 1"/>
           <p:cNvSpPr>
             <a:spLocks noGrp="1"/>
           </p:cNvSpPr>
@@ -1752,7 +1752,7 @@
       </p:grpSpPr>
       <p:sp>
         <p:nvSpPr>
-          <p:cNvPr id="10" name="PlaceHolder 1"/>
+          <p:cNvPr id="12" name="PlaceHolder 1"/>
           <p:cNvSpPr>
             <a:spLocks noGrp="1"/>
           </p:cNvSpPr>
@@ -1783,7 +1783,7 @@
       </p:sp>
       <p:sp>
         <p:nvSpPr>
-          <p:cNvPr id="11" name="PlaceHolder 2"/>
+          <p:cNvPr id="13" name="PlaceHolder 2"/>
           <p:cNvSpPr>
             <a:spLocks noGrp="1"/>
           </p:cNvSpPr>
@@ -1813,7 +1813,7 @@
       </p:sp>
       <p:sp>
         <p:nvSpPr>
-          <p:cNvPr id="12" name="PlaceHolder 3"/>
+          <p:cNvPr id="14" name="PlaceHolder 3"/>
           <p:cNvSpPr>
             <a:spLocks noGrp="1"/>
           </p:cNvSpPr>
@@ -1843,7 +1843,7 @@
       </p:sp>
       <p:sp>
         <p:nvSpPr>
-          <p:cNvPr id="13" name="PlaceHolder 4"/>
+          <p:cNvPr id="15" name="PlaceHolder 4"/>
           <p:cNvSpPr>
             <a:spLocks noGrp="1"/>
           </p:cNvSpPr>
@@ -1895,7 +1895,7 @@
       </p:grpSpPr>
       <p:sp>
         <p:nvSpPr>
-          <p:cNvPr id="14" name="PlaceHolder 1"/>
+          <p:cNvPr id="16" name="PlaceHolder 1"/>
           <p:cNvSpPr>
             <a:spLocks noGrp="1"/>
           </p:cNvSpPr>
@@ -1926,7 +1926,7 @@
       </p:sp>
       <p:sp>
         <p:nvSpPr>
-          <p:cNvPr id="15" name="PlaceHolder 2"/>
+          <p:cNvPr id="17" name="PlaceHolder 2"/>
           <p:cNvSpPr>
             <a:spLocks noGrp="1"/>
           </p:cNvSpPr>
@@ -1956,7 +1956,7 @@
       </p:sp>
       <p:sp>
         <p:nvSpPr>
-          <p:cNvPr id="16" name="PlaceHolder 3"/>
+          <p:cNvPr id="18" name="PlaceHolder 3"/>
           <p:cNvSpPr>
             <a:spLocks noGrp="1"/>
           </p:cNvSpPr>
@@ -1986,7 +1986,7 @@
       </p:sp>
       <p:sp>
         <p:nvSpPr>
-          <p:cNvPr id="17" name="PlaceHolder 4"/>
+          <p:cNvPr id="19" name="PlaceHolder 4"/>
           <p:cNvSpPr>
             <a:spLocks noGrp="1"/>
           </p:cNvSpPr>
@@ -2038,7 +2038,7 @@
       </p:grpSpPr>
       <p:sp>
         <p:nvSpPr>
-          <p:cNvPr id="18" name="PlaceHolder 1"/>
+          <p:cNvPr id="20" name="PlaceHolder 1"/>
           <p:cNvSpPr>
             <a:spLocks noGrp="1"/>
           </p:cNvSpPr>
@@ -2069,7 +2069,7 @@
       </p:sp>
       <p:sp>
         <p:nvSpPr>
-          <p:cNvPr id="19" name="PlaceHolder 2"/>
+          <p:cNvPr id="21" name="PlaceHolder 2"/>
           <p:cNvSpPr>
             <a:spLocks noGrp="1"/>
           </p:cNvSpPr>
@@ -2099,7 +2099,7 @@
       </p:sp>
       <p:sp>
         <p:nvSpPr>
-          <p:cNvPr id="20" name="PlaceHolder 3"/>
+          <p:cNvPr id="22" name="PlaceHolder 3"/>
           <p:cNvSpPr>
             <a:spLocks noGrp="1"/>
           </p:cNvSpPr>
@@ -2129,7 +2129,7 @@
       </p:sp>
       <p:sp>
         <p:nvSpPr>
-          <p:cNvPr id="21" name="PlaceHolder 4"/>
+          <p:cNvPr id="23" name="PlaceHolder 4"/>
           <p:cNvSpPr>
             <a:spLocks noGrp="1"/>
           </p:cNvSpPr>
@@ -2195,7 +2195,7 @@
         <p:spPr>
           <a:xfrm>
             <a:off x="8298360" y="37080"/>
-            <a:ext cx="669960" cy="123840"/>
+            <a:ext cx="669600" cy="123480"/>
           </a:xfrm>
           <a:prstGeom prst="rect">
             <a:avLst/>
@@ -2211,6 +2211,222 @@
           <a:effectRef idx="0"/>
           <a:fontRef idx="minor"/>
         </p:style>
+      </p:sp>
+      <p:sp>
+        <p:nvSpPr>
+          <p:cNvPr id="1" name="PlaceHolder 2"/>
+          <p:cNvSpPr>
+            <a:spLocks noGrp="1"/>
+          </p:cNvSpPr>
+          <p:nvPr>
+            <p:ph type="title"/>
+          </p:nvPr>
+        </p:nvSpPr>
+        <p:spPr>
+          <a:xfrm>
+            <a:off x="457200" y="273600"/>
+            <a:ext cx="8229240" cy="1144800"/>
+          </a:xfrm>
+          <a:prstGeom prst="rect">
+            <a:avLst/>
+          </a:prstGeom>
+        </p:spPr>
+        <p:txBody>
+          <a:bodyPr lIns="0" rIns="0" tIns="0" bIns="0" anchor="ctr">
+            <a:noAutofit/>
+          </a:bodyPr>
+          <a:p>
+            <a:pPr algn="ctr"/>
+            <a:r>
+              <a:rPr b="0" lang="en-US" sz="4400" spc="-1" strike="noStrike">
+                <a:latin typeface="Arial"/>
+              </a:rPr>
+              <a:t>Click to edit the title text format</a:t>
+            </a:r>
+            <a:endParaRPr b="0" lang="en-US" sz="4400" spc="-1" strike="noStrike">
+              <a:latin typeface="Arial"/>
+            </a:endParaRPr>
+          </a:p>
+        </p:txBody>
+      </p:sp>
+      <p:sp>
+        <p:nvSpPr>
+          <p:cNvPr id="2" name="PlaceHolder 3"/>
+          <p:cNvSpPr>
+            <a:spLocks noGrp="1"/>
+          </p:cNvSpPr>
+          <p:nvPr>
+            <p:ph type="body"/>
+          </p:nvPr>
+        </p:nvSpPr>
+        <p:spPr>
+          <a:xfrm>
+            <a:off x="457200" y="1604520"/>
+            <a:ext cx="8229240" cy="3977280"/>
+          </a:xfrm>
+          <a:prstGeom prst="rect">
+            <a:avLst/>
+          </a:prstGeom>
+        </p:spPr>
+        <p:txBody>
+          <a:bodyPr lIns="0" rIns="0" tIns="0" bIns="0">
+            <a:normAutofit/>
+          </a:bodyPr>
+          <a:p>
+            <a:pPr marL="432000" indent="-324000">
+              <a:spcBef>
+                <a:spcPts val="1417"/>
+              </a:spcBef>
+              <a:buClr>
+                <a:srgbClr val="000000"/>
+              </a:buClr>
+              <a:buSzPct val="45000"/>
+              <a:buFont typeface="Wingdings" charset="2"/>
+              <a:buChar char=""/>
+            </a:pPr>
+            <a:r>
+              <a:rPr b="0" lang="en-US" sz="3200" spc="-1" strike="noStrike">
+                <a:latin typeface="Arial"/>
+              </a:rPr>
+              <a:t>Click to edit the outline text format</a:t>
+            </a:r>
+            <a:endParaRPr b="0" lang="en-US" sz="3200" spc="-1" strike="noStrike">
+              <a:latin typeface="Arial"/>
+            </a:endParaRPr>
+          </a:p>
+          <a:p>
+            <a:pPr lvl="1" marL="864000" indent="-324000">
+              <a:spcBef>
+                <a:spcPts val="1134"/>
+              </a:spcBef>
+              <a:buClr>
+                <a:srgbClr val="000000"/>
+              </a:buClr>
+              <a:buSzPct val="75000"/>
+              <a:buFont typeface="Symbol" charset="2"/>
+              <a:buChar char=""/>
+            </a:pPr>
+            <a:r>
+              <a:rPr b="0" lang="en-US" sz="2800" spc="-1" strike="noStrike">
+                <a:latin typeface="Arial"/>
+              </a:rPr>
+              <a:t>Second Outline Level</a:t>
+            </a:r>
+            <a:endParaRPr b="0" lang="en-US" sz="2800" spc="-1" strike="noStrike">
+              <a:latin typeface="Arial"/>
+            </a:endParaRPr>
+          </a:p>
+          <a:p>
+            <a:pPr lvl="2" marL="1296000" indent="-288000">
+              <a:spcBef>
+                <a:spcPts val="850"/>
+              </a:spcBef>
+              <a:buClr>
+                <a:srgbClr val="000000"/>
+              </a:buClr>
+              <a:buSzPct val="45000"/>
+              <a:buFont typeface="Wingdings" charset="2"/>
+              <a:buChar char=""/>
+            </a:pPr>
+            <a:r>
+              <a:rPr b="0" lang="en-US" sz="2400" spc="-1" strike="noStrike">
+                <a:latin typeface="Arial"/>
+              </a:rPr>
+              <a:t>Third Outline Level</a:t>
+            </a:r>
+            <a:endParaRPr b="0" lang="en-US" sz="2400" spc="-1" strike="noStrike">
+              <a:latin typeface="Arial"/>
+            </a:endParaRPr>
+          </a:p>
+          <a:p>
+            <a:pPr lvl="3" marL="1728000" indent="-216000">
+              <a:spcBef>
+                <a:spcPts val="567"/>
+              </a:spcBef>
+              <a:buClr>
+                <a:srgbClr val="000000"/>
+              </a:buClr>
+              <a:buSzPct val="75000"/>
+              <a:buFont typeface="Symbol" charset="2"/>
+              <a:buChar char=""/>
+            </a:pPr>
+            <a:r>
+              <a:rPr b="0" lang="en-US" sz="2000" spc="-1" strike="noStrike">
+                <a:latin typeface="Arial"/>
+              </a:rPr>
+              <a:t>Fourth Outline Level</a:t>
+            </a:r>
+            <a:endParaRPr b="0" lang="en-US" sz="2000" spc="-1" strike="noStrike">
+              <a:latin typeface="Arial"/>
+            </a:endParaRPr>
+          </a:p>
+          <a:p>
+            <a:pPr lvl="4" marL="2160000" indent="-216000">
+              <a:spcBef>
+                <a:spcPts val="283"/>
+              </a:spcBef>
+              <a:buClr>
+                <a:srgbClr val="000000"/>
+              </a:buClr>
+              <a:buSzPct val="45000"/>
+              <a:buFont typeface="Wingdings" charset="2"/>
+              <a:buChar char=""/>
+            </a:pPr>
+            <a:r>
+              <a:rPr b="0" lang="en-US" sz="2000" spc="-1" strike="noStrike">
+                <a:latin typeface="Arial"/>
+              </a:rPr>
+              <a:t>Fifth Outline Level</a:t>
+            </a:r>
+            <a:endParaRPr b="0" lang="en-US" sz="2000" spc="-1" strike="noStrike">
+              <a:latin typeface="Arial"/>
+            </a:endParaRPr>
+          </a:p>
+          <a:p>
+            <a:pPr lvl="5" marL="2592000" indent="-216000">
+              <a:spcBef>
+                <a:spcPts val="283"/>
+              </a:spcBef>
+              <a:buClr>
+                <a:srgbClr val="000000"/>
+              </a:buClr>
+              <a:buSzPct val="45000"/>
+              <a:buFont typeface="Wingdings" charset="2"/>
+              <a:buChar char=""/>
+            </a:pPr>
+            <a:r>
+              <a:rPr b="0" lang="en-US" sz="2000" spc="-1" strike="noStrike">
+                <a:latin typeface="Arial"/>
+              </a:rPr>
+              <a:t>Sixth Outline Level</a:t>
+            </a:r>
+            <a:endParaRPr b="0" lang="en-US" sz="2000" spc="-1" strike="noStrike">
+              <a:latin typeface="Arial"/>
+            </a:endParaRPr>
+          </a:p>
+          <a:p>
+            <a:pPr lvl="6" marL="3024000" indent="-216000">
+              <a:spcBef>
+                <a:spcPts val="283"/>
+              </a:spcBef>
+              <a:buClr>
+                <a:srgbClr val="000000"/>
+              </a:buClr>
+              <a:buSzPct val="45000"/>
+              <a:buFont typeface="Wingdings" charset="2"/>
+              <a:buChar char=""/>
+            </a:pPr>
+            <a:r>
+              <a:rPr b="0" lang="en-US" sz="2000" spc="-1" strike="noStrike">
+                <a:latin typeface="Arial"/>
+              </a:rPr>
+              <a:t>Seventh Outline Level</a:t>
+            </a:r>
+            <a:endParaRPr b="0" lang="en-US" sz="2000" spc="-1" strike="noStrike">
+              <a:latin typeface="Arial"/>
+            </a:endParaRPr>
+          </a:p>
+        </p:txBody>
       </p:sp>
     </p:spTree>
   </p:cSld>
@@ -2251,14 +2467,14 @@
       </p:grpSpPr>
       <p:sp>
         <p:nvSpPr>
-          <p:cNvPr id="43" name="CustomShape 1"/>
+          <p:cNvPr id="45" name="CustomShape 1"/>
           <p:cNvSpPr/>
           <p:nvPr/>
         </p:nvSpPr>
         <p:spPr>
           <a:xfrm>
             <a:off x="137880" y="1576080"/>
-            <a:ext cx="4343400" cy="4680360"/>
+            <a:ext cx="4343040" cy="4680000"/>
           </a:xfrm>
           <a:prstGeom prst="rect">
             <a:avLst/>
@@ -2282,14 +2498,14 @@
       </p:sp>
       <p:sp>
         <p:nvSpPr>
-          <p:cNvPr id="44" name="CustomShape 2"/>
+          <p:cNvPr id="46" name="CustomShape 2"/>
           <p:cNvSpPr/>
           <p:nvPr/>
         </p:nvSpPr>
         <p:spPr>
           <a:xfrm>
             <a:off x="4587480" y="1576080"/>
-            <a:ext cx="4343400" cy="4680360"/>
+            <a:ext cx="4343040" cy="4680000"/>
           </a:xfrm>
           <a:prstGeom prst="rect">
             <a:avLst/>
@@ -2313,14 +2529,14 @@
       </p:sp>
       <p:sp>
         <p:nvSpPr>
-          <p:cNvPr id="45" name="CustomShape 3"/>
+          <p:cNvPr id="47" name="CustomShape 3"/>
           <p:cNvSpPr/>
           <p:nvPr/>
         </p:nvSpPr>
         <p:spPr>
           <a:xfrm>
             <a:off x="218880" y="1618200"/>
-            <a:ext cx="287640" cy="287640"/>
+            <a:ext cx="287280" cy="287280"/>
           </a:xfrm>
           <a:prstGeom prst="rect">
             <a:avLst/>
@@ -2369,14 +2585,14 @@
       </p:sp>
       <p:sp>
         <p:nvSpPr>
-          <p:cNvPr id="46" name="CustomShape 4"/>
+          <p:cNvPr id="48" name="CustomShape 4"/>
           <p:cNvSpPr/>
           <p:nvPr/>
         </p:nvSpPr>
         <p:spPr>
           <a:xfrm>
             <a:off x="4668480" y="1618200"/>
-            <a:ext cx="287640" cy="287640"/>
+            <a:ext cx="287280" cy="287280"/>
           </a:xfrm>
           <a:prstGeom prst="rect">
             <a:avLst/>
@@ -2425,14 +2641,14 @@
       </p:sp>
       <p:sp>
         <p:nvSpPr>
-          <p:cNvPr id="47" name="CustomShape 5"/>
+          <p:cNvPr id="49" name="CustomShape 5"/>
           <p:cNvSpPr/>
           <p:nvPr/>
         </p:nvSpPr>
         <p:spPr>
           <a:xfrm>
             <a:off x="601200" y="1650240"/>
-            <a:ext cx="3596760" cy="223560"/>
+            <a:ext cx="3596400" cy="223200"/>
           </a:xfrm>
           <a:prstGeom prst="rect">
             <a:avLst/>
@@ -2479,14 +2695,14 @@
       </p:sp>
       <p:sp>
         <p:nvSpPr>
-          <p:cNvPr id="48" name="CustomShape 6"/>
+          <p:cNvPr id="50" name="CustomShape 6"/>
           <p:cNvSpPr/>
           <p:nvPr/>
         </p:nvSpPr>
         <p:spPr>
           <a:xfrm>
             <a:off x="5050800" y="1650240"/>
-            <a:ext cx="3596760" cy="223560"/>
+            <a:ext cx="3596400" cy="223200"/>
           </a:xfrm>
           <a:prstGeom prst="rect">
             <a:avLst/>
@@ -2533,14 +2749,14 @@
       </p:sp>
       <p:sp>
         <p:nvSpPr>
-          <p:cNvPr id="49" name="CustomShape 7"/>
+          <p:cNvPr id="51" name="CustomShape 7"/>
           <p:cNvSpPr/>
           <p:nvPr/>
         </p:nvSpPr>
         <p:spPr>
           <a:xfrm>
             <a:off x="4668480" y="3207240"/>
-            <a:ext cx="287640" cy="287640"/>
+            <a:ext cx="287280" cy="287280"/>
           </a:xfrm>
           <a:prstGeom prst="rect">
             <a:avLst/>
@@ -2589,14 +2805,14 @@
       </p:sp>
       <p:sp>
         <p:nvSpPr>
-          <p:cNvPr id="50" name="CustomShape 8"/>
+          <p:cNvPr id="52" name="CustomShape 8"/>
           <p:cNvSpPr/>
           <p:nvPr/>
         </p:nvSpPr>
         <p:spPr>
           <a:xfrm>
             <a:off x="218880" y="3495240"/>
-            <a:ext cx="287640" cy="287640"/>
+            <a:ext cx="287280" cy="287280"/>
           </a:xfrm>
           <a:prstGeom prst="rect">
             <a:avLst/>
@@ -2645,14 +2861,14 @@
       </p:sp>
       <p:sp>
         <p:nvSpPr>
-          <p:cNvPr id="51" name="CustomShape 9"/>
+          <p:cNvPr id="53" name="CustomShape 9"/>
           <p:cNvSpPr/>
           <p:nvPr/>
         </p:nvSpPr>
         <p:spPr>
           <a:xfrm>
             <a:off x="685800" y="3538800"/>
-            <a:ext cx="3596760" cy="223560"/>
+            <a:ext cx="3596400" cy="223200"/>
           </a:xfrm>
           <a:prstGeom prst="rect">
             <a:avLst/>
@@ -2699,14 +2915,14 @@
       </p:sp>
       <p:sp>
         <p:nvSpPr>
-          <p:cNvPr id="52" name="CustomShape 10"/>
+          <p:cNvPr id="54" name="CustomShape 10"/>
           <p:cNvSpPr/>
           <p:nvPr/>
         </p:nvSpPr>
         <p:spPr>
           <a:xfrm>
             <a:off x="5050800" y="3239280"/>
-            <a:ext cx="3596760" cy="223560"/>
+            <a:ext cx="3596400" cy="223200"/>
           </a:xfrm>
           <a:prstGeom prst="rect">
             <a:avLst/>
@@ -2753,14 +2969,14 @@
       </p:sp>
       <p:sp>
         <p:nvSpPr>
-          <p:cNvPr id="53" name="CustomShape 11"/>
+          <p:cNvPr id="55" name="CustomShape 11"/>
           <p:cNvSpPr/>
           <p:nvPr/>
         </p:nvSpPr>
         <p:spPr>
           <a:xfrm>
             <a:off x="218880" y="4797720"/>
-            <a:ext cx="287640" cy="287640"/>
+            <a:ext cx="287280" cy="287280"/>
           </a:xfrm>
           <a:prstGeom prst="rect">
             <a:avLst/>
@@ -2809,14 +3025,14 @@
       </p:sp>
       <p:sp>
         <p:nvSpPr>
-          <p:cNvPr id="54" name="CustomShape 12"/>
+          <p:cNvPr id="56" name="CustomShape 12"/>
           <p:cNvSpPr/>
           <p:nvPr/>
         </p:nvSpPr>
         <p:spPr>
           <a:xfrm>
             <a:off x="4668480" y="4797720"/>
-            <a:ext cx="287640" cy="287640"/>
+            <a:ext cx="287280" cy="287280"/>
           </a:xfrm>
           <a:prstGeom prst="rect">
             <a:avLst/>
@@ -2865,14 +3081,14 @@
       </p:sp>
       <p:sp>
         <p:nvSpPr>
-          <p:cNvPr id="55" name="CustomShape 13"/>
+          <p:cNvPr id="57" name="CustomShape 13"/>
           <p:cNvSpPr/>
           <p:nvPr/>
         </p:nvSpPr>
         <p:spPr>
           <a:xfrm>
             <a:off x="601200" y="4831920"/>
-            <a:ext cx="3596760" cy="218880"/>
+            <a:ext cx="3596400" cy="218520"/>
           </a:xfrm>
           <a:prstGeom prst="rect">
             <a:avLst/>
@@ -2919,14 +3135,14 @@
       </p:sp>
       <p:sp>
         <p:nvSpPr>
-          <p:cNvPr id="56" name="CustomShape 14"/>
+          <p:cNvPr id="58" name="CustomShape 14"/>
           <p:cNvSpPr/>
           <p:nvPr/>
         </p:nvSpPr>
         <p:spPr>
           <a:xfrm>
             <a:off x="5050800" y="4829760"/>
-            <a:ext cx="3596760" cy="223560"/>
+            <a:ext cx="3596400" cy="223200"/>
           </a:xfrm>
           <a:prstGeom prst="rect">
             <a:avLst/>
@@ -2973,14 +3189,14 @@
       </p:sp>
       <p:sp>
         <p:nvSpPr>
-          <p:cNvPr id="57" name="CustomShape 15"/>
+          <p:cNvPr id="59" name="CustomShape 15"/>
           <p:cNvSpPr/>
           <p:nvPr/>
         </p:nvSpPr>
         <p:spPr>
           <a:xfrm>
             <a:off x="157680" y="1913400"/>
-            <a:ext cx="4323600" cy="1245240"/>
+            <a:ext cx="4323240" cy="1244880"/>
           </a:xfrm>
           <a:prstGeom prst="rect">
             <a:avLst/>
@@ -3050,14 +3266,14 @@
       </p:sp>
       <p:sp>
         <p:nvSpPr>
-          <p:cNvPr id="58" name="CustomShape 16"/>
+          <p:cNvPr id="60" name="CustomShape 16"/>
           <p:cNvSpPr/>
           <p:nvPr/>
         </p:nvSpPr>
         <p:spPr>
           <a:xfrm>
             <a:off x="143280" y="3886200"/>
-            <a:ext cx="4323600" cy="1062360"/>
+            <a:ext cx="4323240" cy="1062000"/>
           </a:xfrm>
           <a:prstGeom prst="rect">
             <a:avLst/>
@@ -3127,14 +3343,14 @@
       </p:sp>
       <p:sp>
         <p:nvSpPr>
-          <p:cNvPr id="59" name="CustomShape 17"/>
+          <p:cNvPr id="61" name="CustomShape 17"/>
           <p:cNvSpPr/>
           <p:nvPr/>
         </p:nvSpPr>
         <p:spPr>
           <a:xfrm>
             <a:off x="186840" y="5184720"/>
-            <a:ext cx="4323600" cy="750600"/>
+            <a:ext cx="4323240" cy="750240"/>
           </a:xfrm>
           <a:prstGeom prst="rect">
             <a:avLst/>
@@ -3204,14 +3420,14 @@
       </p:sp>
       <p:sp>
         <p:nvSpPr>
-          <p:cNvPr id="60" name="CustomShape 18"/>
+          <p:cNvPr id="62" name="CustomShape 18"/>
           <p:cNvSpPr/>
           <p:nvPr/>
         </p:nvSpPr>
         <p:spPr>
           <a:xfrm>
             <a:off x="4558320" y="1963800"/>
-            <a:ext cx="4323600" cy="1080360"/>
+            <a:ext cx="4323240" cy="1080000"/>
           </a:xfrm>
           <a:prstGeom prst="rect">
             <a:avLst/>
@@ -3327,14 +3543,14 @@
       </p:sp>
       <p:sp>
         <p:nvSpPr>
-          <p:cNvPr id="61" name="CustomShape 19"/>
+          <p:cNvPr id="63" name="CustomShape 19"/>
           <p:cNvSpPr/>
           <p:nvPr/>
         </p:nvSpPr>
         <p:spPr>
           <a:xfrm>
             <a:off x="4591080" y="5085000"/>
-            <a:ext cx="4323600" cy="1080360"/>
+            <a:ext cx="4323240" cy="1080000"/>
           </a:xfrm>
           <a:prstGeom prst="rect">
             <a:avLst/>
@@ -3381,14 +3597,14 @@
       </p:sp>
       <p:sp>
         <p:nvSpPr>
-          <p:cNvPr id="62" name="CustomShape 20"/>
+          <p:cNvPr id="64" name="CustomShape 20"/>
           <p:cNvSpPr/>
           <p:nvPr/>
         </p:nvSpPr>
         <p:spPr>
           <a:xfrm>
             <a:off x="6633360" y="6524280"/>
-            <a:ext cx="431280" cy="204480"/>
+            <a:ext cx="430920" cy="204120"/>
           </a:xfrm>
           <a:prstGeom prst="chevron">
             <a:avLst>
@@ -3442,14 +3658,14 @@
       </p:sp>
       <p:sp>
         <p:nvSpPr>
-          <p:cNvPr id="63" name="CustomShape 21"/>
+          <p:cNvPr id="65" name="CustomShape 21"/>
           <p:cNvSpPr/>
           <p:nvPr/>
         </p:nvSpPr>
         <p:spPr>
           <a:xfrm>
             <a:off x="7028640" y="6513840"/>
-            <a:ext cx="431280" cy="215280"/>
+            <a:ext cx="430920" cy="214920"/>
           </a:xfrm>
           <a:prstGeom prst="chevron">
             <a:avLst>
@@ -3500,14 +3716,14 @@
       </p:sp>
       <p:sp>
         <p:nvSpPr>
-          <p:cNvPr id="64" name="CustomShape 22"/>
+          <p:cNvPr id="66" name="CustomShape 22"/>
           <p:cNvSpPr/>
           <p:nvPr/>
         </p:nvSpPr>
         <p:spPr>
           <a:xfrm>
             <a:off x="7452360" y="6503040"/>
-            <a:ext cx="431280" cy="215280"/>
+            <a:ext cx="430920" cy="214920"/>
           </a:xfrm>
           <a:prstGeom prst="chevron">
             <a:avLst>
@@ -3558,14 +3774,14 @@
       </p:sp>
       <p:sp>
         <p:nvSpPr>
-          <p:cNvPr id="65" name="CustomShape 23"/>
+          <p:cNvPr id="67" name="CustomShape 23"/>
           <p:cNvSpPr/>
           <p:nvPr/>
         </p:nvSpPr>
         <p:spPr>
           <a:xfrm>
             <a:off x="7846560" y="6508080"/>
-            <a:ext cx="431280" cy="215280"/>
+            <a:ext cx="430920" cy="214920"/>
           </a:xfrm>
           <a:prstGeom prst="chevron">
             <a:avLst>
@@ -3616,14 +3832,14 @@
       </p:sp>
       <p:sp>
         <p:nvSpPr>
-          <p:cNvPr id="66" name="CustomShape 24"/>
+          <p:cNvPr id="68" name="CustomShape 24"/>
           <p:cNvSpPr/>
           <p:nvPr/>
         </p:nvSpPr>
         <p:spPr>
           <a:xfrm>
             <a:off x="8245800" y="6503040"/>
-            <a:ext cx="431280" cy="215280"/>
+            <a:ext cx="430920" cy="214920"/>
           </a:xfrm>
           <a:prstGeom prst="chevron">
             <a:avLst>
@@ -3674,14 +3890,14 @@
       </p:sp>
       <p:sp>
         <p:nvSpPr>
-          <p:cNvPr id="67" name="CustomShape 25"/>
+          <p:cNvPr id="69" name="CustomShape 25"/>
           <p:cNvSpPr/>
           <p:nvPr/>
         </p:nvSpPr>
         <p:spPr>
           <a:xfrm>
             <a:off x="8099280" y="707040"/>
-            <a:ext cx="431280" cy="204480"/>
+            <a:ext cx="430920" cy="204120"/>
           </a:xfrm>
           <a:prstGeom prst="chevron">
             <a:avLst>
@@ -3735,14 +3951,14 @@
       </p:sp>
       <p:sp>
         <p:nvSpPr>
-          <p:cNvPr id="68" name="CustomShape 26"/>
+          <p:cNvPr id="70" name="CustomShape 26"/>
           <p:cNvSpPr/>
           <p:nvPr/>
         </p:nvSpPr>
         <p:spPr>
           <a:xfrm>
             <a:off x="121680" y="116640"/>
-            <a:ext cx="7724160" cy="1136520"/>
+            <a:ext cx="7723800" cy="1136160"/>
           </a:xfrm>
           <a:prstGeom prst="wedgeRectCallout">
             <a:avLst>
@@ -3766,14 +3982,14 @@
       </p:sp>
       <p:sp>
         <p:nvSpPr>
-          <p:cNvPr id="69" name="CustomShape 27"/>
+          <p:cNvPr id="71" name="CustomShape 27"/>
           <p:cNvSpPr/>
           <p:nvPr/>
         </p:nvSpPr>
         <p:spPr>
           <a:xfrm>
             <a:off x="184320" y="189720"/>
-            <a:ext cx="8793000" cy="307080"/>
+            <a:ext cx="8792640" cy="306720"/>
           </a:xfrm>
           <a:prstGeom prst="rect">
             <a:avLst/>
@@ -3820,14 +4036,14 @@
       </p:sp>
       <p:sp>
         <p:nvSpPr>
-          <p:cNvPr id="70" name="CustomShape 28"/>
+          <p:cNvPr id="72" name="CustomShape 28"/>
           <p:cNvSpPr/>
           <p:nvPr/>
         </p:nvSpPr>
         <p:spPr>
           <a:xfrm>
             <a:off x="4607280" y="3547440"/>
-            <a:ext cx="4323600" cy="1080360"/>
+            <a:ext cx="4323240" cy="1080000"/>
           </a:xfrm>
           <a:prstGeom prst="rect">
             <a:avLst/>
@@ -3897,14 +4113,14 @@
       </p:sp>
       <p:sp>
         <p:nvSpPr>
-          <p:cNvPr id="71" name="CustomShape 29"/>
+          <p:cNvPr id="73" name="CustomShape 29"/>
           <p:cNvSpPr/>
           <p:nvPr/>
         </p:nvSpPr>
         <p:spPr>
           <a:xfrm>
             <a:off x="148320" y="541080"/>
-            <a:ext cx="8583840" cy="491760"/>
+            <a:ext cx="8583480" cy="491400"/>
           </a:xfrm>
           <a:prstGeom prst="rect">
             <a:avLst/>
@@ -3941,7 +4157,7 @@
                 <a:latin typeface="Arial"/>
                 <a:ea typeface="Arial"/>
               </a:rPr>
-              <a:t>How much increase in ticket price or operational cost cut need Big Mountain Sky Resort to increasing revenue in order to sustain an additional chair lift of $1.54million?   </a:t>
+              <a:t>How much increase in ticket price or operational cost cut need Big Mountain Sky Resort to maintain a profit margin of 9.2% for upcoming season while covering additional cost of $1,540,000  for newly installed chair-lift?   </a:t>
             </a:r>
             <a:endParaRPr b="0" lang="en-US" sz="1400" spc="-1" strike="noStrike">
               <a:latin typeface="Arial"/>
